--- a/Slides/Lesson 10.6 Publish-Subscribe.pptx
+++ b/Slides/Lesson 10.6 Publish-Subscribe.pptx
@@ -229,7 +229,7 @@
           <a:p>
             <a:fld id="{D921B35E-F9A9-4F4B-882B-2AFF4C2A0596}" type="datetimeFigureOut">
               <a:rPr lang="en-US" smtClean="0"/>
-              <a:t>11/10/2015</a:t>
+              <a:t>11/15/2015</a:t>
             </a:fld>
             <a:endParaRPr lang="en-US"/>
           </a:p>
@@ -1018,7 +1018,7 @@
           <a:p>
             <a:fld id="{2F1F79F5-7BEC-496A-AFC7-876E38F64D71}" type="datetime1">
               <a:rPr lang="en-US" smtClean="0"/>
-              <a:t>11/10/2015</a:t>
+              <a:t>11/15/2015</a:t>
             </a:fld>
             <a:endParaRPr lang="en-US"/>
           </a:p>
@@ -1143,7 +1143,7 @@
           <a:p>
             <a:fld id="{2F7B77F5-1464-4F6B-92A8-64FC8A508293}" type="datetime1">
               <a:rPr lang="en-US" smtClean="0"/>
-              <a:t>11/10/2015</a:t>
+              <a:t>11/15/2015</a:t>
             </a:fld>
             <a:endParaRPr lang="en-US"/>
           </a:p>
@@ -1245,7 +1245,7 @@
           <a:p>
             <a:fld id="{0A05703A-7669-4FEA-9056-25299B4D29D4}" type="datetime1">
               <a:rPr lang="en-US" smtClean="0"/>
-              <a:t>11/10/2015</a:t>
+              <a:t>11/15/2015</a:t>
             </a:fld>
             <a:endParaRPr lang="en-US"/>
           </a:p>
@@ -1522,7 +1522,7 @@
           <a:p>
             <a:fld id="{6E5077B5-BB57-49DB-88CA-226A139E5C01}" type="datetime1">
               <a:rPr lang="en-US" smtClean="0"/>
-              <a:t>11/10/2015</a:t>
+              <a:t>11/15/2015</a:t>
             </a:fld>
             <a:endParaRPr lang="en-US"/>
           </a:p>
@@ -1775,7 +1775,7 @@
           <a:p>
             <a:fld id="{C48D9447-CBD6-49A1-89FD-8512A8CF8999}" type="datetime1">
               <a:rPr lang="en-US" smtClean="0"/>
-              <a:t>11/10/2015</a:t>
+              <a:t>11/15/2015</a:t>
             </a:fld>
             <a:endParaRPr lang="en-US"/>
           </a:p>
@@ -1945,7 +1945,7 @@
           <a:p>
             <a:fld id="{A3639A2A-823D-48B7-9ACE-7FAF42870BA9}" type="datetime1">
               <a:rPr lang="en-US" smtClean="0"/>
-              <a:t>11/10/2015</a:t>
+              <a:t>11/15/2015</a:t>
             </a:fld>
             <a:endParaRPr lang="en-US"/>
           </a:p>
@@ -2125,7 +2125,7 @@
           <a:p>
             <a:fld id="{ED1B6996-82E9-463C-972C-7B56056E426C}" type="datetime1">
               <a:rPr lang="en-US" smtClean="0"/>
-              <a:t>11/10/2015</a:t>
+              <a:t>11/15/2015</a:t>
             </a:fld>
             <a:endParaRPr lang="en-US"/>
           </a:p>
@@ -2301,7 +2301,7 @@
           <a:p>
             <a:fld id="{E22ED4DA-448D-4BB1-B935-CC112220207B}" type="datetime1">
               <a:rPr lang="en-US" smtClean="0"/>
-              <a:t>11/10/2015</a:t>
+              <a:t>11/15/2015</a:t>
             </a:fld>
             <a:endParaRPr lang="en-US"/>
           </a:p>
@@ -2483,7 +2483,7 @@
           <a:p>
             <a:fld id="{E22ED4DA-448D-4BB1-B935-CC112220207B}" type="datetime1">
               <a:rPr lang="en-US" smtClean="0"/>
-              <a:t>11/10/2015</a:t>
+              <a:t>11/15/2015</a:t>
             </a:fld>
             <a:endParaRPr lang="en-US"/>
           </a:p>
@@ -2752,7 +2752,7 @@
           <a:p>
             <a:fld id="{FF5D65A6-AB94-4435-B0B7-3743215FA46C}" type="datetime1">
               <a:rPr lang="en-US" smtClean="0"/>
-              <a:t>11/10/2015</a:t>
+              <a:t>11/15/2015</a:t>
             </a:fld>
             <a:endParaRPr lang="en-US"/>
           </a:p>
@@ -3055,7 +3055,7 @@
           <a:p>
             <a:fld id="{5D1846AD-9252-4647-9435-4C2AC365653A}" type="datetime1">
               <a:rPr lang="en-US" smtClean="0"/>
-              <a:t>11/10/2015</a:t>
+              <a:t>11/15/2015</a:t>
             </a:fld>
             <a:endParaRPr lang="en-US"/>
           </a:p>
@@ -3233,7 +3233,7 @@
           <a:p>
             <a:fld id="{FF5D65A6-AB94-4435-B0B7-3743215FA46C}" type="datetime1">
               <a:rPr lang="en-US" smtClean="0"/>
-              <a:t>11/10/2015</a:t>
+              <a:t>11/15/2015</a:t>
             </a:fld>
             <a:endParaRPr lang="en-US"/>
           </a:p>
@@ -3535,7 +3535,7 @@
           <a:p>
             <a:fld id="{7C193DC4-6EF0-48C9-B29C-616106A645E1}" type="datetime1">
               <a:rPr lang="en-US" smtClean="0"/>
-              <a:t>11/10/2015</a:t>
+              <a:t>11/15/2015</a:t>
             </a:fld>
             <a:endParaRPr lang="en-US"/>
           </a:p>
@@ -3823,7 +3823,7 @@
           <a:p>
             <a:fld id="{5D1846AD-9252-4647-9435-4C2AC365653A}" type="datetime1">
               <a:rPr lang="en-US" smtClean="0"/>
-              <a:t>11/10/2015</a:t>
+              <a:t>11/15/2015</a:t>
             </a:fld>
             <a:endParaRPr lang="en-US"/>
           </a:p>
@@ -4245,7 +4245,7 @@
           <a:p>
             <a:fld id="{CE56DC10-3561-4063-A6AF-C1CC7A41040A}" type="datetime1">
               <a:rPr lang="en-US" smtClean="0"/>
-              <a:t>11/10/2015</a:t>
+              <a:t>11/15/2015</a:t>
             </a:fld>
             <a:endParaRPr lang="en-US"/>
           </a:p>
@@ -4470,7 +4470,7 @@
           <a:p>
             <a:fld id="{02B3F677-983B-48DB-ADFD-63FE6CBC7FB2}" type="datetime1">
               <a:rPr lang="en-US" smtClean="0"/>
-              <a:t>11/10/2015</a:t>
+              <a:t>11/15/2015</a:t>
             </a:fld>
             <a:endParaRPr lang="en-US"/>
           </a:p>
@@ -5324,7 +5324,15 @@
             </a:r>
             <a:r>
               <a:rPr lang="en-US" dirty="0" smtClean="0"/>
-              <a:t>register : Ball </a:t>
+              <a:t>register : </a:t>
+            </a:r>
+            <a:r>
+              <a:rPr lang="en-US" dirty="0" err="1" smtClean="0"/>
+              <a:t>SBall</a:t>
+            </a:r>
+            <a:r>
+              <a:rPr lang="en-US" dirty="0" smtClean="0"/>
+              <a:t>&lt;%&gt; </a:t>
             </a:r>
             <a:r>
               <a:rPr lang="en-US" dirty="0"/>
@@ -5814,7 +5822,7 @@
       </p:grpSpPr>
       <p:pic>
         <p:nvPicPr>
-          <p:cNvPr id="14" name="Picture 13"/>
+          <p:cNvPr id="7" name="Picture 6"/>
           <p:cNvPicPr>
             <a:picLocks noChangeAspect="1"/>
           </p:cNvPicPr>
@@ -5834,7 +5842,7 @@
         </p:blipFill>
         <p:spPr>
           <a:xfrm>
-            <a:off x="2032254" y="1491615"/>
+            <a:off x="1955622" y="1378987"/>
             <a:ext cx="5334000" cy="4972050"/>
           </a:xfrm>
           <a:prstGeom prst="rect">
@@ -5914,7 +5922,7 @@
           <a:p>
             <a:r>
               <a:rPr lang="en-US" sz="3200" dirty="0" smtClean="0"/>
-              <a:t>Box </a:t>
+              <a:t>wall </a:t>
             </a:r>
             <a:r>
               <a:rPr lang="en-US" sz="3200" i="1" dirty="0" smtClean="0">
@@ -6001,8 +6009,8 @@
         </p:nvSpPr>
         <p:spPr>
           <a:xfrm>
-            <a:off x="182880" y="1737360"/>
-            <a:ext cx="2819400" cy="899160"/>
+            <a:off x="182880" y="1511782"/>
+            <a:ext cx="2819400" cy="1483594"/>
           </a:xfrm>
           <a:prstGeom prst="rect">
             <a:avLst/>
@@ -6048,11 +6056,23 @@
             </a:r>
             <a:r>
               <a:rPr lang="en-US" dirty="0"/>
-              <a:t>When the ball is created, it subscribes to notifications from the box</a:t>
-            </a:r>
-            <a:r>
-              <a:rPr lang="en-US" dirty="0" smtClean="0"/>
-              <a:t>.</a:t>
+              <a:t>When the ball is created, it subscribes to notifications from the </a:t>
+            </a:r>
+            <a:r>
+              <a:rPr lang="en-US" dirty="0" smtClean="0"/>
+              <a:t>wall and receives an initial value for its local </a:t>
+            </a:r>
+            <a:r>
+              <a:rPr lang="en-US" b="1" dirty="0" smtClean="0"/>
+              <a:t>wall-</a:t>
+            </a:r>
+            <a:r>
+              <a:rPr lang="en-US" b="1" dirty="0" err="1" smtClean="0"/>
+              <a:t>pos</a:t>
+            </a:r>
+            <a:r>
+              <a:rPr lang="en-US" dirty="0" smtClean="0"/>
+              <a:t> field</a:t>
             </a:r>
             <a:endParaRPr lang="en-US" dirty="0" smtClean="0">
               <a:solidFill>
@@ -6113,7 +6133,15 @@
             </a:r>
             <a:r>
               <a:rPr lang="en-US" dirty="0"/>
-              <a:t>the box receives a mouse drag, it sends out a message to all its subscribers notifying them of the new location of the edge. </a:t>
+              <a:t>the </a:t>
+            </a:r>
+            <a:r>
+              <a:rPr lang="en-US" dirty="0" smtClean="0"/>
+              <a:t>wall </a:t>
+            </a:r>
+            <a:r>
+              <a:rPr lang="en-US" dirty="0"/>
+              <a:t>receives a mouse drag, it sends out a message to all its subscribers notifying them of the new location of the edge. </a:t>
             </a:r>
             <a:endParaRPr lang="en-US" dirty="0" smtClean="0">
               <a:solidFill>
@@ -6131,7 +6159,7 @@
         </p:nvSpPr>
         <p:spPr>
           <a:xfrm>
-            <a:off x="304800" y="3063240"/>
+            <a:off x="667842" y="3221203"/>
             <a:ext cx="2575560" cy="914400"/>
           </a:xfrm>
           <a:prstGeom prst="rect">
@@ -6213,8 +6241,8 @@
         </p:nvSpPr>
         <p:spPr>
           <a:xfrm>
-            <a:off x="44027" y="4687777"/>
-            <a:ext cx="2013373" cy="2139743"/>
+            <a:off x="182880" y="4343365"/>
+            <a:ext cx="2013373" cy="2466090"/>
           </a:xfrm>
           <a:prstGeom prst="rect">
             <a:avLst/>
@@ -6337,7 +6365,15 @@
             </a:r>
             <a:r>
               <a:rPr lang="en-US" dirty="0"/>
-              <a:t> model:  the box pushes information to the ball for the ball’s later use.</a:t>
+              <a:t> model:  the </a:t>
+            </a:r>
+            <a:r>
+              <a:rPr lang="en-US" dirty="0" smtClean="0"/>
+              <a:t>wall </a:t>
+            </a:r>
+            <a:r>
+              <a:rPr lang="en-US" dirty="0"/>
+              <a:t>pushes information to the ball for the ball’s later use.</a:t>
             </a:r>
           </a:p>
         </p:txBody>
@@ -7037,11 +7073,7 @@
           <a:p>
             <a:r>
               <a:rPr lang="en-US" dirty="0" smtClean="0"/>
-              <a:t>We'll </a:t>
-            </a:r>
-            <a:r>
-              <a:rPr lang="en-US" dirty="0" smtClean="0"/>
-              <a:t>see how to test and debug </a:t>
+              <a:t>We'll see how to test and debug </a:t>
             </a:r>
             <a:r>
               <a:rPr lang="en-US" dirty="0" err="1" smtClean="0"/>
@@ -7512,21 +7544,7 @@
                 <a:latin typeface="Consolas" pitchFamily="49" charset="0"/>
                 <a:cs typeface="Consolas" pitchFamily="49" charset="0"/>
               </a:rPr>
-              <a:t>&lt;</a:t>
-            </a:r>
-            <a:r>
-              <a:rPr lang="en-US" b="1" i="1" dirty="0" smtClean="0">
-                <a:latin typeface="Consolas" pitchFamily="49" charset="0"/>
-                <a:cs typeface="Consolas" pitchFamily="49" charset="0"/>
-              </a:rPr>
-              <a:t>subscriber&gt; </a:t>
-            </a:r>
-            <a:r>
-              <a:rPr lang="en-US" b="1" i="1" dirty="0" smtClean="0">
-                <a:latin typeface="Consolas" pitchFamily="49" charset="0"/>
-                <a:cs typeface="Consolas" pitchFamily="49" charset="0"/>
-              </a:rPr>
-              <a:t>method-name</a:t>
+              <a:t>&lt;subscriber&gt; method-name</a:t>
             </a:r>
             <a:r>
               <a:rPr lang="en-US" b="1" dirty="0" smtClean="0">
@@ -7558,11 +7576,7 @@
             <a:pPr lvl="1"/>
             <a:r>
               <a:rPr lang="en-US" dirty="0" smtClean="0"/>
-              <a:t>it's </a:t>
-            </a:r>
-            <a:r>
-              <a:rPr lang="en-US" dirty="0" smtClean="0"/>
-              <a:t>up to receiver to decide what to do with the data.</a:t>
+              <a:t>it's up to receiver to decide what to do with the data.</a:t>
             </a:r>
             <a:endParaRPr lang="en-US" dirty="0"/>
           </a:p>
@@ -7668,33 +7682,28 @@
           <a:p>
             <a:r>
               <a:rPr lang="en-US" dirty="0" smtClean="0"/>
-              <a:t>Study </a:t>
-            </a:r>
-            <a:r>
-              <a:rPr lang="en-US" dirty="0" smtClean="0"/>
-              <a:t>10-5-push-model.rkt in </a:t>
-            </a:r>
-            <a:r>
-              <a:rPr lang="en-US" dirty="0" smtClean="0"/>
-              <a:t>the Examples folder:</a:t>
-            </a:r>
-          </a:p>
-          <a:p>
-            <a:r>
-              <a:rPr lang="en-US" dirty="0" smtClean="0"/>
-              <a:t>If </a:t>
-            </a:r>
-            <a:r>
-              <a:rPr lang="en-US" dirty="0" smtClean="0"/>
-              <a:t>you have questions about this lesson, ask them on the </a:t>
-            </a:r>
-            <a:r>
-              <a:rPr lang="en-US" smtClean="0"/>
-              <a:t>Discussion </a:t>
-            </a:r>
-            <a:r>
-              <a:rPr lang="en-US" smtClean="0"/>
-              <a:t>Board</a:t>
+              <a:t>Study 10-5-push-model.rkt in the Examples </a:t>
+            </a:r>
+            <a:r>
+              <a:rPr lang="en-US" dirty="0" smtClean="0"/>
+              <a:t>folder.</a:t>
+            </a:r>
+          </a:p>
+          <a:p>
+            <a:r>
+              <a:rPr lang="en-US" dirty="0" smtClean="0"/>
+              <a:t>Can you find the bug without </a:t>
+            </a:r>
+            <a:r>
+              <a:rPr lang="en-US" smtClean="0"/>
+              <a:t>looking ahead?</a:t>
+            </a:r>
+            <a:endParaRPr lang="en-US" dirty="0" smtClean="0"/>
+          </a:p>
+          <a:p>
+            <a:r>
+              <a:rPr lang="en-US" dirty="0" smtClean="0"/>
+              <a:t>If you have questions about this lesson, ask them on the Discussion Board</a:t>
             </a:r>
           </a:p>
           <a:p>
@@ -8177,7 +8186,7 @@
         <p:spPr>
           <a:xfrm>
             <a:off x="2269067" y="6068836"/>
-            <a:ext cx="4649030" cy="584775"/>
+            <a:ext cx="4711739" cy="584775"/>
           </a:xfrm>
           <a:prstGeom prst="rect">
             <a:avLst/>
@@ -8204,7 +8213,11 @@
             </a:r>
             <a:r>
               <a:rPr lang="en-US" sz="3200" dirty="0" smtClean="0"/>
-              <a:t> info from the box</a:t>
+              <a:t> info from the </a:t>
+            </a:r>
+            <a:r>
+              <a:rPr lang="en-US" sz="3200" dirty="0" smtClean="0"/>
+              <a:t>wall</a:t>
             </a:r>
             <a:endParaRPr lang="en-US" sz="3200" dirty="0"/>
           </a:p>
@@ -8273,7 +8286,15 @@
             </a:r>
             <a:r>
               <a:rPr lang="en-US" dirty="0"/>
-              <a:t> message, it asks its box for the location of its right edge.  This is a pull model. </a:t>
+              <a:t> message, it asks its </a:t>
+            </a:r>
+            <a:r>
+              <a:rPr lang="en-US" dirty="0" smtClean="0"/>
+              <a:t>wall </a:t>
+            </a:r>
+            <a:r>
+              <a:rPr lang="en-US" dirty="0"/>
+              <a:t>for the location of its right edge.  This is a pull model. </a:t>
             </a:r>
           </a:p>
         </p:txBody>
@@ -8700,8 +8721,8 @@
               <a:t>Push model, </a:t>
             </a:r>
             <a:r>
-              <a:rPr lang="en-US" dirty="0" err="1" smtClean="0"/>
-              <a:t>con'td</a:t>
+              <a:rPr lang="en-US" dirty="0" smtClean="0"/>
+              <a:t>cont'd</a:t>
             </a:r>
             <a:endParaRPr lang="en-US" dirty="0"/>
           </a:p>
@@ -9208,6 +9229,218 @@
               <a:t>8</a:t>
             </a:fld>
             <a:endParaRPr lang="en-US"/>
+          </a:p>
+        </p:txBody>
+      </p:sp>
+      <p:sp>
+        <p:nvSpPr>
+          <p:cNvPr id="3" name="Rectangle 2"/>
+          <p:cNvSpPr/>
+          <p:nvPr/>
+        </p:nvSpPr>
+        <p:spPr>
+          <a:xfrm>
+            <a:off x="4724400" y="5646654"/>
+            <a:ext cx="3124200" cy="1066800"/>
+          </a:xfrm>
+          <a:prstGeom prst="rect">
+            <a:avLst/>
+          </a:prstGeom>
+          <a:solidFill>
+            <a:schemeClr val="accent3">
+              <a:lumMod val="40000"/>
+              <a:lumOff val="60000"/>
+            </a:schemeClr>
+          </a:solidFill>
+          <a:ln/>
+        </p:spPr>
+        <p:style>
+          <a:lnRef idx="2">
+            <a:schemeClr val="accent1"/>
+          </a:lnRef>
+          <a:fillRef idx="1">
+            <a:schemeClr val="lt1"/>
+          </a:fillRef>
+          <a:effectRef idx="0">
+            <a:schemeClr val="accent1"/>
+          </a:effectRef>
+          <a:fontRef idx="minor">
+            <a:schemeClr val="dk1"/>
+          </a:fontRef>
+        </p:style>
+        <p:txBody>
+          <a:bodyPr rot="0" spcFirstLastPara="0" vertOverflow="overflow" horzOverflow="overflow" vert="horz" wrap="square" lIns="91440" tIns="45720" rIns="91440" bIns="45720" numCol="1" spcCol="0" rtlCol="0" fromWordArt="0" anchor="ctr" anchorCtr="0" forceAA="0" compatLnSpc="1">
+            <a:prstTxWarp prst="textNoShape">
+              <a:avLst/>
+            </a:prstTxWarp>
+            <a:noAutofit/>
+          </a:bodyPr>
+          <a:lstStyle/>
+          <a:p>
+            <a:pPr algn="ctr"/>
+            <a:r>
+              <a:rPr lang="en-US" sz="1200" dirty="0" smtClean="0">
+                <a:solidFill>
+                  <a:schemeClr val="tx1"/>
+                </a:solidFill>
+              </a:rPr>
+              <a:t>We say the ball contains a </a:t>
+            </a:r>
+            <a:r>
+              <a:rPr lang="en-US" sz="1200" i="1" dirty="0" smtClean="0">
+                <a:solidFill>
+                  <a:schemeClr val="tx1"/>
+                </a:solidFill>
+              </a:rPr>
+              <a:t>cache</a:t>
+            </a:r>
+            <a:r>
+              <a:rPr lang="en-US" sz="1200" dirty="0" smtClean="0">
+                <a:solidFill>
+                  <a:schemeClr val="tx1"/>
+                </a:solidFill>
+              </a:rPr>
+              <a:t> of the </a:t>
+            </a:r>
+            <a:r>
+              <a:rPr lang="en-US" sz="1200" dirty="0" smtClean="0">
+                <a:solidFill>
+                  <a:schemeClr val="tx1"/>
+                </a:solidFill>
+              </a:rPr>
+              <a:t>wall's position.  This is analogous to a memory cache. </a:t>
+            </a:r>
+            <a:r>
+              <a:rPr lang="en-US" sz="1200" dirty="0" smtClean="0">
+                <a:solidFill>
+                  <a:schemeClr val="tx1"/>
+                </a:solidFill>
+              </a:rPr>
+              <a:t>If you are not familiar with the idea of a cache, you should go look it up.  It's a neat and widely-used pattern.</a:t>
+            </a:r>
+            <a:endParaRPr lang="en-US" sz="1200" dirty="0">
+              <a:solidFill>
+                <a:schemeClr val="tx1"/>
+              </a:solidFill>
+            </a:endParaRPr>
+          </a:p>
+        </p:txBody>
+      </p:sp>
+      <p:sp>
+        <p:nvSpPr>
+          <p:cNvPr id="6" name="Rectangle 5"/>
+          <p:cNvSpPr/>
+          <p:nvPr/>
+        </p:nvSpPr>
+        <p:spPr>
+          <a:xfrm>
+            <a:off x="4800600" y="1828800"/>
+            <a:ext cx="3581400" cy="762000"/>
+          </a:xfrm>
+          <a:prstGeom prst="rect">
+            <a:avLst/>
+          </a:prstGeom>
+          <a:solidFill>
+            <a:schemeClr val="accent3">
+              <a:lumMod val="40000"/>
+              <a:lumOff val="60000"/>
+            </a:schemeClr>
+          </a:solidFill>
+          <a:ln/>
+        </p:spPr>
+        <p:style>
+          <a:lnRef idx="2">
+            <a:schemeClr val="accent1"/>
+          </a:lnRef>
+          <a:fillRef idx="1">
+            <a:schemeClr val="lt1"/>
+          </a:fillRef>
+          <a:effectRef idx="0">
+            <a:schemeClr val="accent1"/>
+          </a:effectRef>
+          <a:fontRef idx="minor">
+            <a:schemeClr val="dk1"/>
+          </a:fontRef>
+        </p:style>
+        <p:txBody>
+          <a:bodyPr rot="0" spcFirstLastPara="0" vertOverflow="overflow" horzOverflow="overflow" vert="horz" wrap="square" lIns="91440" tIns="45720" rIns="91440" bIns="45720" numCol="1" spcCol="0" rtlCol="0" fromWordArt="0" anchor="ctr" anchorCtr="0" forceAA="0" compatLnSpc="1">
+            <a:prstTxWarp prst="textNoShape">
+              <a:avLst/>
+            </a:prstTxWarp>
+            <a:noAutofit/>
+          </a:bodyPr>
+          <a:lstStyle/>
+          <a:p>
+            <a:pPr algn="ctr"/>
+            <a:r>
+              <a:rPr lang="en-US" dirty="0" smtClean="0">
+                <a:solidFill>
+                  <a:schemeClr val="tx1"/>
+                </a:solidFill>
+              </a:rPr>
+              <a:t>We use the prefix "S" for "</a:t>
+            </a:r>
+            <a:r>
+              <a:rPr lang="en-US" dirty="0" err="1" smtClean="0">
+                <a:solidFill>
+                  <a:schemeClr val="tx1"/>
+                </a:solidFill>
+              </a:rPr>
+              <a:t>stateful</a:t>
+            </a:r>
+            <a:r>
+              <a:rPr lang="en-US" dirty="0" smtClean="0">
+                <a:solidFill>
+                  <a:schemeClr val="tx1"/>
+                </a:solidFill>
+              </a:rPr>
+              <a:t>" or "stable".  </a:t>
+            </a:r>
+            <a:r>
+              <a:rPr lang="en-US" dirty="0" smtClean="0">
+                <a:solidFill>
+                  <a:schemeClr val="tx1"/>
+                </a:solidFill>
+              </a:rPr>
+              <a:t>So </a:t>
+            </a:r>
+            <a:r>
+              <a:rPr lang="en-US" dirty="0" err="1" smtClean="0">
+                <a:solidFill>
+                  <a:schemeClr val="tx1"/>
+                </a:solidFill>
+              </a:rPr>
+              <a:t>SBall</a:t>
+            </a:r>
+            <a:r>
+              <a:rPr lang="en-US" dirty="0" smtClean="0">
+                <a:solidFill>
+                  <a:schemeClr val="tx1"/>
+                </a:solidFill>
+              </a:rPr>
+              <a:t>&lt;%&gt; is the interface for </a:t>
+            </a:r>
+            <a:r>
+              <a:rPr lang="en-US" dirty="0" err="1" smtClean="0">
+                <a:solidFill>
+                  <a:schemeClr val="tx1"/>
+                </a:solidFill>
+              </a:rPr>
+              <a:t>stateful</a:t>
+            </a:r>
+            <a:r>
+              <a:rPr lang="en-US" dirty="0" smtClean="0">
+                <a:solidFill>
+                  <a:schemeClr val="tx1"/>
+                </a:solidFill>
+              </a:rPr>
+              <a:t> balls.</a:t>
+            </a:r>
+            <a:endParaRPr lang="en-US" dirty="0">
+              <a:solidFill>
+                <a:schemeClr val="tx1"/>
+              </a:solidFill>
+            </a:endParaRPr>
           </a:p>
         </p:txBody>
       </p:sp>

--- a/Slides/Lesson 10.6 Publish-Subscribe.pptx
+++ b/Slides/Lesson 10.6 Publish-Subscribe.pptx
@@ -229,7 +229,7 @@
           <a:p>
             <a:fld id="{D921B35E-F9A9-4F4B-882B-2AFF4C2A0596}" type="datetimeFigureOut">
               <a:rPr lang="en-US" smtClean="0"/>
-              <a:t>11/15/2015</a:t>
+              <a:t>11/9/2016</a:t>
             </a:fld>
             <a:endParaRPr lang="en-US"/>
           </a:p>
@@ -293,38 +293,37 @@
           <a:p>
             <a:pPr lvl="0"/>
             <a:r>
-              <a:rPr lang="en-US" smtClean="0"/>
+              <a:rPr lang="en-US"/>
               <a:t>Click to edit Master text styles</a:t>
             </a:r>
           </a:p>
           <a:p>
             <a:pPr lvl="1"/>
             <a:r>
-              <a:rPr lang="en-US" smtClean="0"/>
+              <a:rPr lang="en-US"/>
               <a:t>Second level</a:t>
             </a:r>
           </a:p>
           <a:p>
             <a:pPr lvl="2"/>
             <a:r>
-              <a:rPr lang="en-US" smtClean="0"/>
+              <a:rPr lang="en-US"/>
               <a:t>Third level</a:t>
             </a:r>
           </a:p>
           <a:p>
             <a:pPr lvl="3"/>
             <a:r>
-              <a:rPr lang="en-US" smtClean="0"/>
+              <a:rPr lang="en-US"/>
               <a:t>Fourth level</a:t>
             </a:r>
           </a:p>
           <a:p>
             <a:pPr lvl="4"/>
             <a:r>
-              <a:rPr lang="en-US" smtClean="0"/>
+              <a:rPr lang="en-US"/>
               <a:t>Fifth level</a:t>
             </a:r>
-            <a:endParaRPr lang="en-US"/>
           </a:p>
         </p:txBody>
       </p:sp>
@@ -709,7 +708,7 @@
           <a:bodyPr/>
           <a:lstStyle/>
           <a:p>
-            <a:endParaRPr lang="en-US" baseline="0" dirty="0" smtClean="0"/>
+            <a:endParaRPr lang="en-US" baseline="0" dirty="0"/>
           </a:p>
         </p:txBody>
       </p:sp>
@@ -797,7 +796,7 @@
               <a:buFont typeface="+mj-lt"/>
               <a:buNone/>
             </a:pPr>
-            <a:endParaRPr lang="en-US" baseline="0" dirty="0" smtClean="0"/>
+            <a:endParaRPr lang="en-US" baseline="0" dirty="0"/>
           </a:p>
         </p:txBody>
       </p:sp>
@@ -875,10 +874,9 @@
           <a:lstStyle/>
           <a:p>
             <a:r>
-              <a:rPr lang="en-US" smtClean="0"/>
+              <a:rPr lang="en-US"/>
               <a:t>Click to edit Master title style</a:t>
             </a:r>
-            <a:endParaRPr lang="en-US"/>
           </a:p>
         </p:txBody>
       </p:sp>
@@ -994,10 +992,9 @@
           </a:lstStyle>
           <a:p>
             <a:r>
-              <a:rPr lang="en-US" smtClean="0"/>
+              <a:rPr lang="en-US"/>
               <a:t>Click to edit Master subtitle style</a:t>
             </a:r>
-            <a:endParaRPr lang="en-US"/>
           </a:p>
         </p:txBody>
       </p:sp>
@@ -1018,7 +1015,7 @@
           <a:p>
             <a:fld id="{2F1F79F5-7BEC-496A-AFC7-876E38F64D71}" type="datetime1">
               <a:rPr lang="en-US" smtClean="0"/>
-              <a:t>11/15/2015</a:t>
+              <a:t>11/9/2016</a:t>
             </a:fld>
             <a:endParaRPr lang="en-US"/>
           </a:p>
@@ -1076,13 +1073,6 @@
   <p:clrMapOvr>
     <a:masterClrMapping/>
   </p:clrMapOvr>
-  <p:timing>
-    <p:tnLst>
-      <p:par>
-        <p:cTn id="1" dur="indefinite" restart="never" nodeType="tmRoot"/>
-      </p:par>
-    </p:tnLst>
-  </p:timing>
 </p:sldLayout>
 </file>
 
@@ -1119,10 +1109,9 @@
           <a:lstStyle/>
           <a:p>
             <a:r>
-              <a:rPr lang="en-US" smtClean="0"/>
+              <a:rPr lang="en-US"/>
               <a:t>Click to edit Master title style</a:t>
             </a:r>
-            <a:endParaRPr lang="en-US"/>
           </a:p>
         </p:txBody>
       </p:sp>
@@ -1143,7 +1132,7 @@
           <a:p>
             <a:fld id="{2F7B77F5-1464-4F6B-92A8-64FC8A508293}" type="datetime1">
               <a:rPr lang="en-US" smtClean="0"/>
-              <a:t>11/15/2015</a:t>
+              <a:t>11/9/2016</a:t>
             </a:fld>
             <a:endParaRPr lang="en-US"/>
           </a:p>
@@ -1201,13 +1190,6 @@
   <p:clrMapOvr>
     <a:masterClrMapping/>
   </p:clrMapOvr>
-  <p:timing>
-    <p:tnLst>
-      <p:par>
-        <p:cTn id="1" dur="indefinite" restart="never" nodeType="tmRoot"/>
-      </p:par>
-    </p:tnLst>
-  </p:timing>
 </p:sldLayout>
 </file>
 
@@ -1245,7 +1227,7 @@
           <a:p>
             <a:fld id="{0A05703A-7669-4FEA-9056-25299B4D29D4}" type="datetime1">
               <a:rPr lang="en-US" smtClean="0"/>
-              <a:t>11/15/2015</a:t>
+              <a:t>11/9/2016</a:t>
             </a:fld>
             <a:endParaRPr lang="en-US"/>
           </a:p>
@@ -1348,10 +1330,9 @@
           </a:lstStyle>
           <a:p>
             <a:r>
-              <a:rPr lang="en-US" smtClean="0"/>
+              <a:rPr lang="en-US"/>
               <a:t>Click to edit Master title style</a:t>
             </a:r>
-            <a:endParaRPr lang="en-US"/>
           </a:p>
         </p:txBody>
       </p:sp>
@@ -1405,38 +1386,37 @@
           <a:p>
             <a:pPr lvl="0"/>
             <a:r>
-              <a:rPr lang="en-US" smtClean="0"/>
+              <a:rPr lang="en-US"/>
               <a:t>Click to edit Master text styles</a:t>
             </a:r>
           </a:p>
           <a:p>
             <a:pPr lvl="1"/>
             <a:r>
-              <a:rPr lang="en-US" smtClean="0"/>
+              <a:rPr lang="en-US"/>
               <a:t>Second level</a:t>
             </a:r>
           </a:p>
           <a:p>
             <a:pPr lvl="2"/>
             <a:r>
-              <a:rPr lang="en-US" smtClean="0"/>
+              <a:rPr lang="en-US"/>
               <a:t>Third level</a:t>
             </a:r>
           </a:p>
           <a:p>
             <a:pPr lvl="3"/>
             <a:r>
-              <a:rPr lang="en-US" smtClean="0"/>
+              <a:rPr lang="en-US"/>
               <a:t>Fourth level</a:t>
             </a:r>
           </a:p>
           <a:p>
             <a:pPr lvl="4"/>
             <a:r>
-              <a:rPr lang="en-US" smtClean="0"/>
+              <a:rPr lang="en-US"/>
               <a:t>Fifth level</a:t>
             </a:r>
-            <a:endParaRPr lang="en-US"/>
           </a:p>
         </p:txBody>
       </p:sp>
@@ -1499,7 +1479,7 @@
           <a:p>
             <a:pPr lvl="0"/>
             <a:r>
-              <a:rPr lang="en-US" smtClean="0"/>
+              <a:rPr lang="en-US"/>
               <a:t>Click to edit Master text styles</a:t>
             </a:r>
           </a:p>
@@ -1522,7 +1502,7 @@
           <a:p>
             <a:fld id="{6E5077B5-BB57-49DB-88CA-226A139E5C01}" type="datetime1">
               <a:rPr lang="en-US" smtClean="0"/>
-              <a:t>11/15/2015</a:t>
+              <a:t>11/9/2016</a:t>
             </a:fld>
             <a:endParaRPr lang="en-US"/>
           </a:p>
@@ -1625,10 +1605,9 @@
           </a:lstStyle>
           <a:p>
             <a:r>
-              <a:rPr lang="en-US" smtClean="0"/>
+              <a:rPr lang="en-US"/>
               <a:t>Click to edit Master title style</a:t>
             </a:r>
-            <a:endParaRPr lang="en-US"/>
           </a:p>
         </p:txBody>
       </p:sp>
@@ -1752,7 +1731,7 @@
           <a:p>
             <a:pPr lvl="0"/>
             <a:r>
-              <a:rPr lang="en-US" smtClean="0"/>
+              <a:rPr lang="en-US"/>
               <a:t>Click to edit Master text styles</a:t>
             </a:r>
           </a:p>
@@ -1775,7 +1754,7 @@
           <a:p>
             <a:fld id="{C48D9447-CBD6-49A1-89FD-8512A8CF8999}" type="datetime1">
               <a:rPr lang="en-US" smtClean="0"/>
-              <a:t>11/15/2015</a:t>
+              <a:t>11/9/2016</a:t>
             </a:fld>
             <a:endParaRPr lang="en-US"/>
           </a:p>
@@ -1869,10 +1848,9 @@
           <a:lstStyle/>
           <a:p>
             <a:r>
-              <a:rPr lang="en-US" smtClean="0"/>
+              <a:rPr lang="en-US"/>
               <a:t>Click to edit Master title style</a:t>
             </a:r>
-            <a:endParaRPr lang="en-US"/>
           </a:p>
         </p:txBody>
       </p:sp>
@@ -1893,38 +1871,37 @@
           <a:p>
             <a:pPr lvl="0"/>
             <a:r>
-              <a:rPr lang="en-US" smtClean="0"/>
+              <a:rPr lang="en-US"/>
               <a:t>Click to edit Master text styles</a:t>
             </a:r>
           </a:p>
           <a:p>
             <a:pPr lvl="1"/>
             <a:r>
-              <a:rPr lang="en-US" smtClean="0"/>
+              <a:rPr lang="en-US"/>
               <a:t>Second level</a:t>
             </a:r>
           </a:p>
           <a:p>
             <a:pPr lvl="2"/>
             <a:r>
-              <a:rPr lang="en-US" smtClean="0"/>
+              <a:rPr lang="en-US"/>
               <a:t>Third level</a:t>
             </a:r>
           </a:p>
           <a:p>
             <a:pPr lvl="3"/>
             <a:r>
-              <a:rPr lang="en-US" smtClean="0"/>
+              <a:rPr lang="en-US"/>
               <a:t>Fourth level</a:t>
             </a:r>
           </a:p>
           <a:p>
             <a:pPr lvl="4"/>
             <a:r>
-              <a:rPr lang="en-US" smtClean="0"/>
+              <a:rPr lang="en-US"/>
               <a:t>Fifth level</a:t>
             </a:r>
-            <a:endParaRPr lang="en-US"/>
           </a:p>
         </p:txBody>
       </p:sp>
@@ -1945,7 +1922,7 @@
           <a:p>
             <a:fld id="{A3639A2A-823D-48B7-9ACE-7FAF42870BA9}" type="datetime1">
               <a:rPr lang="en-US" smtClean="0"/>
-              <a:t>11/15/2015</a:t>
+              <a:t>11/9/2016</a:t>
             </a:fld>
             <a:endParaRPr lang="en-US"/>
           </a:p>
@@ -2044,10 +2021,9 @@
           <a:lstStyle/>
           <a:p>
             <a:r>
-              <a:rPr lang="en-US" smtClean="0"/>
+              <a:rPr lang="en-US"/>
               <a:t>Click to edit Master title style</a:t>
             </a:r>
-            <a:endParaRPr lang="en-US"/>
           </a:p>
         </p:txBody>
       </p:sp>
@@ -2073,38 +2049,37 @@
           <a:p>
             <a:pPr lvl="0"/>
             <a:r>
-              <a:rPr lang="en-US" smtClean="0"/>
+              <a:rPr lang="en-US"/>
               <a:t>Click to edit Master text styles</a:t>
             </a:r>
           </a:p>
           <a:p>
             <a:pPr lvl="1"/>
             <a:r>
-              <a:rPr lang="en-US" smtClean="0"/>
+              <a:rPr lang="en-US"/>
               <a:t>Second level</a:t>
             </a:r>
           </a:p>
           <a:p>
             <a:pPr lvl="2"/>
             <a:r>
-              <a:rPr lang="en-US" smtClean="0"/>
+              <a:rPr lang="en-US"/>
               <a:t>Third level</a:t>
             </a:r>
           </a:p>
           <a:p>
             <a:pPr lvl="3"/>
             <a:r>
-              <a:rPr lang="en-US" smtClean="0"/>
+              <a:rPr lang="en-US"/>
               <a:t>Fourth level</a:t>
             </a:r>
           </a:p>
           <a:p>
             <a:pPr lvl="4"/>
             <a:r>
-              <a:rPr lang="en-US" smtClean="0"/>
+              <a:rPr lang="en-US"/>
               <a:t>Fifth level</a:t>
             </a:r>
-            <a:endParaRPr lang="en-US"/>
           </a:p>
         </p:txBody>
       </p:sp>
@@ -2125,7 +2100,7 @@
           <a:p>
             <a:fld id="{ED1B6996-82E9-463C-972C-7B56056E426C}" type="datetime1">
               <a:rPr lang="en-US" smtClean="0"/>
-              <a:t>11/15/2015</a:t>
+              <a:t>11/9/2016</a:t>
             </a:fld>
             <a:endParaRPr lang="en-US"/>
           </a:p>
@@ -2225,10 +2200,9 @@
           <a:lstStyle/>
           <a:p>
             <a:r>
-              <a:rPr lang="en-US" dirty="0" smtClean="0"/>
+              <a:rPr lang="en-US" dirty="0"/>
               <a:t>Click to edit Master title style</a:t>
             </a:r>
-            <a:endParaRPr lang="en-US" dirty="0"/>
           </a:p>
         </p:txBody>
       </p:sp>
@@ -2249,38 +2223,37 @@
           <a:p>
             <a:pPr lvl="0"/>
             <a:r>
-              <a:rPr lang="en-US" smtClean="0"/>
+              <a:rPr lang="en-US"/>
               <a:t>Click to edit Master text styles</a:t>
             </a:r>
           </a:p>
           <a:p>
             <a:pPr lvl="1"/>
             <a:r>
-              <a:rPr lang="en-US" smtClean="0"/>
+              <a:rPr lang="en-US"/>
               <a:t>Second level</a:t>
             </a:r>
           </a:p>
           <a:p>
             <a:pPr lvl="2"/>
             <a:r>
-              <a:rPr lang="en-US" smtClean="0"/>
+              <a:rPr lang="en-US"/>
               <a:t>Third level</a:t>
             </a:r>
           </a:p>
           <a:p>
             <a:pPr lvl="3"/>
             <a:r>
-              <a:rPr lang="en-US" smtClean="0"/>
+              <a:rPr lang="en-US"/>
               <a:t>Fourth level</a:t>
             </a:r>
           </a:p>
           <a:p>
             <a:pPr lvl="4"/>
             <a:r>
-              <a:rPr lang="en-US" smtClean="0"/>
+              <a:rPr lang="en-US"/>
               <a:t>Fifth level</a:t>
             </a:r>
-            <a:endParaRPr lang="en-US"/>
           </a:p>
         </p:txBody>
       </p:sp>
@@ -2301,7 +2274,7 @@
           <a:p>
             <a:fld id="{E22ED4DA-448D-4BB1-B935-CC112220207B}" type="datetime1">
               <a:rPr lang="en-US" smtClean="0"/>
-              <a:t>11/15/2015</a:t>
+              <a:t>11/9/2016</a:t>
             </a:fld>
             <a:endParaRPr lang="en-US"/>
           </a:p>
@@ -2359,13 +2332,6 @@
   <p:clrMapOvr>
     <a:masterClrMapping/>
   </p:clrMapOvr>
-  <p:timing>
-    <p:tnLst>
-      <p:par>
-        <p:cTn id="1" dur="indefinite" restart="never" nodeType="tmRoot"/>
-      </p:par>
-    </p:tnLst>
-  </p:timing>
 </p:sldLayout>
 </file>
 
@@ -2402,10 +2368,9 @@
           <a:lstStyle/>
           <a:p>
             <a:r>
-              <a:rPr lang="en-US" smtClean="0"/>
+              <a:rPr lang="en-US"/>
               <a:t>Click to edit Master title style</a:t>
             </a:r>
-            <a:endParaRPr lang="en-US"/>
           </a:p>
         </p:txBody>
       </p:sp>
@@ -2431,38 +2396,37 @@
           <a:p>
             <a:pPr lvl="0"/>
             <a:r>
-              <a:rPr lang="en-US" dirty="0" smtClean="0"/>
+              <a:rPr lang="en-US" dirty="0"/>
               <a:t>Click to edit Master text styles</a:t>
             </a:r>
           </a:p>
           <a:p>
             <a:pPr lvl="1"/>
             <a:r>
-              <a:rPr lang="en-US" dirty="0" smtClean="0"/>
+              <a:rPr lang="en-US" dirty="0"/>
               <a:t>Second level</a:t>
             </a:r>
           </a:p>
           <a:p>
             <a:pPr lvl="2"/>
             <a:r>
-              <a:rPr lang="en-US" dirty="0" smtClean="0"/>
+              <a:rPr lang="en-US" dirty="0"/>
               <a:t>Third level</a:t>
             </a:r>
           </a:p>
           <a:p>
             <a:pPr lvl="3"/>
             <a:r>
-              <a:rPr lang="en-US" dirty="0" smtClean="0"/>
+              <a:rPr lang="en-US" dirty="0"/>
               <a:t>Fourth level</a:t>
             </a:r>
           </a:p>
           <a:p>
             <a:pPr lvl="4"/>
             <a:r>
-              <a:rPr lang="en-US" dirty="0" smtClean="0"/>
+              <a:rPr lang="en-US" dirty="0"/>
               <a:t>Fifth level</a:t>
             </a:r>
-            <a:endParaRPr lang="en-US" dirty="0"/>
           </a:p>
         </p:txBody>
       </p:sp>
@@ -2483,7 +2447,7 @@
           <a:p>
             <a:fld id="{E22ED4DA-448D-4BB1-B935-CC112220207B}" type="datetime1">
               <a:rPr lang="en-US" smtClean="0"/>
-              <a:t>11/15/2015</a:t>
+              <a:t>11/9/2016</a:t>
             </a:fld>
             <a:endParaRPr lang="en-US"/>
           </a:p>
@@ -2573,7 +2537,7 @@
           <a:lstStyle/>
           <a:p>
             <a:pPr algn="ctr"/>
-            <a:endParaRPr lang="en-US" dirty="0" smtClean="0">
+            <a:endParaRPr lang="en-US" dirty="0">
               <a:solidFill>
                 <a:schemeClr val="tx1"/>
               </a:solidFill>
@@ -2604,11 +2568,11 @@
           <a:lstStyle/>
           <a:p>
             <a:r>
-              <a:rPr lang="en-US" dirty="0" smtClean="0"/>
+              <a:rPr lang="en-US" dirty="0"/>
               <a:t>Resize video to this</a:t>
             </a:r>
             <a:r>
-              <a:rPr lang="en-US" baseline="0" dirty="0" smtClean="0"/>
+              <a:rPr lang="en-US" baseline="0" dirty="0"/>
               <a:t> box.</a:t>
             </a:r>
             <a:endParaRPr lang="en-US" dirty="0"/>
@@ -2625,13 +2589,6 @@
   <p:clrMapOvr>
     <a:masterClrMapping/>
   </p:clrMapOvr>
-  <p:timing>
-    <p:tnLst>
-      <p:par>
-        <p:cTn id="1" dur="indefinite" restart="never" nodeType="tmRoot"/>
-      </p:par>
-    </p:tnLst>
-  </p:timing>
 </p:sldLayout>
 </file>
 
@@ -2668,10 +2625,9 @@
           <a:lstStyle/>
           <a:p>
             <a:r>
-              <a:rPr lang="en-US" smtClean="0"/>
+              <a:rPr lang="en-US"/>
               <a:t>Click to edit Master title style</a:t>
             </a:r>
-            <a:endParaRPr lang="en-US"/>
           </a:p>
         </p:txBody>
       </p:sp>
@@ -2700,38 +2656,37 @@
           <a:p>
             <a:pPr lvl="0"/>
             <a:r>
-              <a:rPr lang="en-US" dirty="0" smtClean="0"/>
+              <a:rPr lang="en-US" dirty="0"/>
               <a:t>Click to edit Master text styles</a:t>
             </a:r>
           </a:p>
           <a:p>
             <a:pPr lvl="1"/>
             <a:r>
-              <a:rPr lang="en-US" dirty="0" smtClean="0"/>
+              <a:rPr lang="en-US" dirty="0"/>
               <a:t>Second level</a:t>
             </a:r>
           </a:p>
           <a:p>
             <a:pPr lvl="2"/>
             <a:r>
-              <a:rPr lang="en-US" dirty="0" smtClean="0"/>
+              <a:rPr lang="en-US" dirty="0"/>
               <a:t>Third level</a:t>
             </a:r>
           </a:p>
           <a:p>
             <a:pPr lvl="3"/>
             <a:r>
-              <a:rPr lang="en-US" dirty="0" smtClean="0"/>
+              <a:rPr lang="en-US" dirty="0"/>
               <a:t>Fourth level</a:t>
             </a:r>
           </a:p>
           <a:p>
             <a:pPr lvl="4"/>
             <a:r>
-              <a:rPr lang="en-US" dirty="0" smtClean="0"/>
+              <a:rPr lang="en-US" dirty="0"/>
               <a:t>Fifth level</a:t>
             </a:r>
-            <a:endParaRPr lang="en-US" dirty="0"/>
           </a:p>
         </p:txBody>
       </p:sp>
@@ -2752,7 +2707,7 @@
           <a:p>
             <a:fld id="{FF5D65A6-AB94-4435-B0B7-3743215FA46C}" type="datetime1">
               <a:rPr lang="en-US" smtClean="0"/>
-              <a:t>11/15/2015</a:t>
+              <a:t>11/9/2016</a:t>
             </a:fld>
             <a:endParaRPr lang="en-US"/>
           </a:p>
@@ -2810,13 +2765,6 @@
   <p:clrMapOvr>
     <a:masterClrMapping/>
   </p:clrMapOvr>
-  <p:timing>
-    <p:tnLst>
-      <p:par>
-        <p:cTn id="1" dur="indefinite" restart="never" nodeType="tmRoot"/>
-      </p:par>
-    </p:tnLst>
-  </p:timing>
 </p:sldLayout>
 </file>
 
@@ -2853,10 +2801,9 @@
           <a:lstStyle/>
           <a:p>
             <a:r>
-              <a:rPr lang="en-US" smtClean="0"/>
+              <a:rPr lang="en-US"/>
               <a:t>Click to edit Master title style</a:t>
             </a:r>
-            <a:endParaRPr lang="en-US"/>
           </a:p>
         </p:txBody>
       </p:sp>
@@ -2914,38 +2861,37 @@
           <a:p>
             <a:pPr lvl="0"/>
             <a:r>
-              <a:rPr lang="en-US" dirty="0" smtClean="0"/>
+              <a:rPr lang="en-US" dirty="0"/>
               <a:t>Click to edit Master text styles</a:t>
             </a:r>
           </a:p>
           <a:p>
             <a:pPr lvl="1"/>
             <a:r>
-              <a:rPr lang="en-US" dirty="0" smtClean="0"/>
+              <a:rPr lang="en-US" dirty="0"/>
               <a:t>Second level</a:t>
             </a:r>
           </a:p>
           <a:p>
             <a:pPr lvl="2"/>
             <a:r>
-              <a:rPr lang="en-US" dirty="0" smtClean="0"/>
+              <a:rPr lang="en-US" dirty="0"/>
               <a:t>Third level</a:t>
             </a:r>
           </a:p>
           <a:p>
             <a:pPr lvl="3"/>
             <a:r>
-              <a:rPr lang="en-US" dirty="0" smtClean="0"/>
+              <a:rPr lang="en-US" dirty="0"/>
               <a:t>Fourth level</a:t>
             </a:r>
           </a:p>
           <a:p>
             <a:pPr lvl="4"/>
             <a:r>
-              <a:rPr lang="en-US" dirty="0" smtClean="0"/>
+              <a:rPr lang="en-US" dirty="0"/>
               <a:t>Fifth level</a:t>
             </a:r>
-            <a:endParaRPr lang="en-US" dirty="0"/>
           </a:p>
         </p:txBody>
       </p:sp>
@@ -3003,38 +2949,37 @@
           <a:p>
             <a:pPr lvl="0"/>
             <a:r>
-              <a:rPr lang="en-US" dirty="0" smtClean="0"/>
+              <a:rPr lang="en-US" dirty="0"/>
               <a:t>Click to edit Master text styles</a:t>
             </a:r>
           </a:p>
           <a:p>
             <a:pPr lvl="1"/>
             <a:r>
-              <a:rPr lang="en-US" dirty="0" smtClean="0"/>
+              <a:rPr lang="en-US" dirty="0"/>
               <a:t>Second level</a:t>
             </a:r>
           </a:p>
           <a:p>
             <a:pPr lvl="2"/>
             <a:r>
-              <a:rPr lang="en-US" dirty="0" smtClean="0"/>
+              <a:rPr lang="en-US" dirty="0"/>
               <a:t>Third level</a:t>
             </a:r>
           </a:p>
           <a:p>
             <a:pPr lvl="3"/>
             <a:r>
-              <a:rPr lang="en-US" dirty="0" smtClean="0"/>
+              <a:rPr lang="en-US" dirty="0"/>
               <a:t>Fourth level</a:t>
             </a:r>
           </a:p>
           <a:p>
             <a:pPr lvl="4"/>
             <a:r>
-              <a:rPr lang="en-US" dirty="0" smtClean="0"/>
+              <a:rPr lang="en-US" dirty="0"/>
               <a:t>Fifth level</a:t>
             </a:r>
-            <a:endParaRPr lang="en-US" dirty="0"/>
           </a:p>
         </p:txBody>
       </p:sp>
@@ -3055,7 +3000,7 @@
           <a:p>
             <a:fld id="{5D1846AD-9252-4647-9435-4C2AC365653A}" type="datetime1">
               <a:rPr lang="en-US" smtClean="0"/>
-              <a:t>11/15/2015</a:t>
+              <a:t>11/9/2016</a:t>
             </a:fld>
             <a:endParaRPr lang="en-US"/>
           </a:p>
@@ -3149,10 +3094,9 @@
           <a:lstStyle/>
           <a:p>
             <a:r>
-              <a:rPr lang="en-US" smtClean="0"/>
+              <a:rPr lang="en-US"/>
               <a:t>Click to edit Master title style</a:t>
             </a:r>
-            <a:endParaRPr lang="en-US"/>
           </a:p>
         </p:txBody>
       </p:sp>
@@ -3181,38 +3125,37 @@
           <a:p>
             <a:pPr lvl="0"/>
             <a:r>
-              <a:rPr lang="en-US" dirty="0" smtClean="0"/>
+              <a:rPr lang="en-US" dirty="0"/>
               <a:t>Click to edit Master text styles</a:t>
             </a:r>
           </a:p>
           <a:p>
             <a:pPr lvl="1"/>
             <a:r>
-              <a:rPr lang="en-US" dirty="0" smtClean="0"/>
+              <a:rPr lang="en-US" dirty="0"/>
               <a:t>Second level</a:t>
             </a:r>
           </a:p>
           <a:p>
             <a:pPr lvl="2"/>
             <a:r>
-              <a:rPr lang="en-US" dirty="0" smtClean="0"/>
+              <a:rPr lang="en-US" dirty="0"/>
               <a:t>Third level</a:t>
             </a:r>
           </a:p>
           <a:p>
             <a:pPr lvl="3"/>
             <a:r>
-              <a:rPr lang="en-US" dirty="0" smtClean="0"/>
+              <a:rPr lang="en-US" dirty="0"/>
               <a:t>Fourth level</a:t>
             </a:r>
           </a:p>
           <a:p>
             <a:pPr lvl="4"/>
             <a:r>
-              <a:rPr lang="en-US" dirty="0" smtClean="0"/>
+              <a:rPr lang="en-US" dirty="0"/>
               <a:t>Fifth level</a:t>
             </a:r>
-            <a:endParaRPr lang="en-US" dirty="0"/>
           </a:p>
         </p:txBody>
       </p:sp>
@@ -3233,7 +3176,7 @@
           <a:p>
             <a:fld id="{FF5D65A6-AB94-4435-B0B7-3743215FA46C}" type="datetime1">
               <a:rPr lang="en-US" smtClean="0"/>
-              <a:t>11/15/2015</a:t>
+              <a:t>11/9/2016</a:t>
             </a:fld>
             <a:endParaRPr lang="en-US"/>
           </a:p>
@@ -3340,13 +3283,6 @@
   <p:clrMapOvr>
     <a:masterClrMapping/>
   </p:clrMapOvr>
-  <p:timing>
-    <p:tnLst>
-      <p:par>
-        <p:cTn id="1" dur="indefinite" restart="never" nodeType="tmRoot"/>
-      </p:par>
-    </p:tnLst>
-  </p:timing>
 </p:sldLayout>
 </file>
 
@@ -3392,10 +3328,9 @@
           </a:lstStyle>
           <a:p>
             <a:r>
-              <a:rPr lang="en-US" smtClean="0"/>
+              <a:rPr lang="en-US"/>
               <a:t>Click to edit Master title style</a:t>
             </a:r>
-            <a:endParaRPr lang="en-US"/>
           </a:p>
         </p:txBody>
       </p:sp>
@@ -3512,7 +3447,7 @@
           <a:p>
             <a:pPr lvl="0"/>
             <a:r>
-              <a:rPr lang="en-US" smtClean="0"/>
+              <a:rPr lang="en-US"/>
               <a:t>Click to edit Master text styles</a:t>
             </a:r>
           </a:p>
@@ -3535,7 +3470,7 @@
           <a:p>
             <a:fld id="{7C193DC4-6EF0-48C9-B29C-616106A645E1}" type="datetime1">
               <a:rPr lang="en-US" smtClean="0"/>
-              <a:t>11/15/2015</a:t>
+              <a:t>11/9/2016</a:t>
             </a:fld>
             <a:endParaRPr lang="en-US"/>
           </a:p>
@@ -3629,10 +3564,9 @@
           <a:lstStyle/>
           <a:p>
             <a:r>
-              <a:rPr lang="en-US" smtClean="0"/>
+              <a:rPr lang="en-US"/>
               <a:t>Click to edit Master title style</a:t>
             </a:r>
-            <a:endParaRPr lang="en-US"/>
           </a:p>
         </p:txBody>
       </p:sp>
@@ -3686,38 +3620,37 @@
           <a:p>
             <a:pPr lvl="0"/>
             <a:r>
-              <a:rPr lang="en-US" smtClean="0"/>
+              <a:rPr lang="en-US"/>
               <a:t>Click to edit Master text styles</a:t>
             </a:r>
           </a:p>
           <a:p>
             <a:pPr lvl="1"/>
             <a:r>
-              <a:rPr lang="en-US" smtClean="0"/>
+              <a:rPr lang="en-US"/>
               <a:t>Second level</a:t>
             </a:r>
           </a:p>
           <a:p>
             <a:pPr lvl="2"/>
             <a:r>
-              <a:rPr lang="en-US" smtClean="0"/>
+              <a:rPr lang="en-US"/>
               <a:t>Third level</a:t>
             </a:r>
           </a:p>
           <a:p>
             <a:pPr lvl="3"/>
             <a:r>
-              <a:rPr lang="en-US" smtClean="0"/>
+              <a:rPr lang="en-US"/>
               <a:t>Fourth level</a:t>
             </a:r>
           </a:p>
           <a:p>
             <a:pPr lvl="4"/>
             <a:r>
-              <a:rPr lang="en-US" smtClean="0"/>
+              <a:rPr lang="en-US"/>
               <a:t>Fifth level</a:t>
             </a:r>
-            <a:endParaRPr lang="en-US"/>
           </a:p>
         </p:txBody>
       </p:sp>
@@ -3771,38 +3704,37 @@
           <a:p>
             <a:pPr lvl="0"/>
             <a:r>
-              <a:rPr lang="en-US" smtClean="0"/>
+              <a:rPr lang="en-US"/>
               <a:t>Click to edit Master text styles</a:t>
             </a:r>
           </a:p>
           <a:p>
             <a:pPr lvl="1"/>
             <a:r>
-              <a:rPr lang="en-US" smtClean="0"/>
+              <a:rPr lang="en-US"/>
               <a:t>Second level</a:t>
             </a:r>
           </a:p>
           <a:p>
             <a:pPr lvl="2"/>
             <a:r>
-              <a:rPr lang="en-US" smtClean="0"/>
+              <a:rPr lang="en-US"/>
               <a:t>Third level</a:t>
             </a:r>
           </a:p>
           <a:p>
             <a:pPr lvl="3"/>
             <a:r>
-              <a:rPr lang="en-US" smtClean="0"/>
+              <a:rPr lang="en-US"/>
               <a:t>Fourth level</a:t>
             </a:r>
           </a:p>
           <a:p>
             <a:pPr lvl="4"/>
             <a:r>
-              <a:rPr lang="en-US" smtClean="0"/>
+              <a:rPr lang="en-US"/>
               <a:t>Fifth level</a:t>
             </a:r>
-            <a:endParaRPr lang="en-US"/>
           </a:p>
         </p:txBody>
       </p:sp>
@@ -3823,7 +3755,7 @@
           <a:p>
             <a:fld id="{5D1846AD-9252-4647-9435-4C2AC365653A}" type="datetime1">
               <a:rPr lang="en-US" smtClean="0"/>
-              <a:t>11/15/2015</a:t>
+              <a:t>11/9/2016</a:t>
             </a:fld>
             <a:endParaRPr lang="en-US"/>
           </a:p>
@@ -3921,10 +3853,9 @@
           </a:lstStyle>
           <a:p>
             <a:r>
-              <a:rPr lang="en-US" smtClean="0"/>
+              <a:rPr lang="en-US"/>
               <a:t>Click to edit Master title style</a:t>
             </a:r>
-            <a:endParaRPr lang="en-US"/>
           </a:p>
         </p:txBody>
       </p:sp>
@@ -3987,7 +3918,7 @@
           <a:p>
             <a:pPr lvl="0"/>
             <a:r>
-              <a:rPr lang="en-US" smtClean="0"/>
+              <a:rPr lang="en-US"/>
               <a:t>Click to edit Master text styles</a:t>
             </a:r>
           </a:p>
@@ -4043,38 +3974,37 @@
           <a:p>
             <a:pPr lvl="0"/>
             <a:r>
-              <a:rPr lang="en-US" smtClean="0"/>
+              <a:rPr lang="en-US"/>
               <a:t>Click to edit Master text styles</a:t>
             </a:r>
           </a:p>
           <a:p>
             <a:pPr lvl="1"/>
             <a:r>
-              <a:rPr lang="en-US" smtClean="0"/>
+              <a:rPr lang="en-US"/>
               <a:t>Second level</a:t>
             </a:r>
           </a:p>
           <a:p>
             <a:pPr lvl="2"/>
             <a:r>
-              <a:rPr lang="en-US" smtClean="0"/>
+              <a:rPr lang="en-US"/>
               <a:t>Third level</a:t>
             </a:r>
           </a:p>
           <a:p>
             <a:pPr lvl="3"/>
             <a:r>
-              <a:rPr lang="en-US" smtClean="0"/>
+              <a:rPr lang="en-US"/>
               <a:t>Fourth level</a:t>
             </a:r>
           </a:p>
           <a:p>
             <a:pPr lvl="4"/>
             <a:r>
-              <a:rPr lang="en-US" smtClean="0"/>
+              <a:rPr lang="en-US"/>
               <a:t>Fifth level</a:t>
             </a:r>
-            <a:endParaRPr lang="en-US"/>
           </a:p>
         </p:txBody>
       </p:sp>
@@ -4137,7 +4067,7 @@
           <a:p>
             <a:pPr lvl="0"/>
             <a:r>
-              <a:rPr lang="en-US" smtClean="0"/>
+              <a:rPr lang="en-US"/>
               <a:t>Click to edit Master text styles</a:t>
             </a:r>
           </a:p>
@@ -4193,38 +4123,37 @@
           <a:p>
             <a:pPr lvl="0"/>
             <a:r>
-              <a:rPr lang="en-US" smtClean="0"/>
+              <a:rPr lang="en-US"/>
               <a:t>Click to edit Master text styles</a:t>
             </a:r>
           </a:p>
           <a:p>
             <a:pPr lvl="1"/>
             <a:r>
-              <a:rPr lang="en-US" smtClean="0"/>
+              <a:rPr lang="en-US"/>
               <a:t>Second level</a:t>
             </a:r>
           </a:p>
           <a:p>
             <a:pPr lvl="2"/>
             <a:r>
-              <a:rPr lang="en-US" smtClean="0"/>
+              <a:rPr lang="en-US"/>
               <a:t>Third level</a:t>
             </a:r>
           </a:p>
           <a:p>
             <a:pPr lvl="3"/>
             <a:r>
-              <a:rPr lang="en-US" smtClean="0"/>
+              <a:rPr lang="en-US"/>
               <a:t>Fourth level</a:t>
             </a:r>
           </a:p>
           <a:p>
             <a:pPr lvl="4"/>
             <a:r>
-              <a:rPr lang="en-US" smtClean="0"/>
+              <a:rPr lang="en-US"/>
               <a:t>Fifth level</a:t>
             </a:r>
-            <a:endParaRPr lang="en-US"/>
           </a:p>
         </p:txBody>
       </p:sp>
@@ -4245,7 +4174,7 @@
           <a:p>
             <a:fld id="{CE56DC10-3561-4063-A6AF-C1CC7A41040A}" type="datetime1">
               <a:rPr lang="en-US" smtClean="0"/>
-              <a:t>11/15/2015</a:t>
+              <a:t>11/9/2016</a:t>
             </a:fld>
             <a:endParaRPr lang="en-US"/>
           </a:p>
@@ -4366,10 +4295,9 @@
           <a:lstStyle/>
           <a:p>
             <a:r>
-              <a:rPr lang="en-US" smtClean="0"/>
+              <a:rPr lang="en-US"/>
               <a:t>Click to edit Master title style</a:t>
             </a:r>
-            <a:endParaRPr lang="en-US"/>
           </a:p>
         </p:txBody>
       </p:sp>
@@ -4400,38 +4328,37 @@
           <a:p>
             <a:pPr lvl="0"/>
             <a:r>
-              <a:rPr lang="en-US" smtClean="0"/>
+              <a:rPr lang="en-US"/>
               <a:t>Click to edit Master text styles</a:t>
             </a:r>
           </a:p>
           <a:p>
             <a:pPr lvl="1"/>
             <a:r>
-              <a:rPr lang="en-US" smtClean="0"/>
+              <a:rPr lang="en-US"/>
               <a:t>Second level</a:t>
             </a:r>
           </a:p>
           <a:p>
             <a:pPr lvl="2"/>
             <a:r>
-              <a:rPr lang="en-US" smtClean="0"/>
+              <a:rPr lang="en-US"/>
               <a:t>Third level</a:t>
             </a:r>
           </a:p>
           <a:p>
             <a:pPr lvl="3"/>
             <a:r>
-              <a:rPr lang="en-US" smtClean="0"/>
+              <a:rPr lang="en-US"/>
               <a:t>Fourth level</a:t>
             </a:r>
           </a:p>
           <a:p>
             <a:pPr lvl="4"/>
             <a:r>
-              <a:rPr lang="en-US" smtClean="0"/>
+              <a:rPr lang="en-US"/>
               <a:t>Fifth level</a:t>
             </a:r>
-            <a:endParaRPr lang="en-US"/>
           </a:p>
         </p:txBody>
       </p:sp>
@@ -4470,7 +4397,7 @@
           <a:p>
             <a:fld id="{02B3F677-983B-48DB-ADFD-63FE6CBC7FB2}" type="datetime1">
               <a:rPr lang="en-US" smtClean="0"/>
-              <a:t>11/15/2015</a:t>
+              <a:t>11/9/2016</a:t>
             </a:fld>
             <a:endParaRPr lang="en-US"/>
           </a:p>
@@ -4579,13 +4506,6 @@
     <p:sldLayoutId id="2147483675" r:id="rId14"/>
     <p:sldLayoutId id="2147483676" r:id="rId15"/>
   </p:sldLayoutIdLst>
-  <p:timing>
-    <p:tnLst>
-      <p:par>
-        <p:cTn id="1" dur="indefinite" restart="never" nodeType="tmRoot"/>
-      </p:par>
-    </p:tnLst>
-  </p:timing>
   <p:hf hdr="0" ftr="0" dt="0"/>
   <p:txStyles>
     <p:titleStyle>
@@ -4873,10 +4793,9 @@
           <a:lstStyle/>
           <a:p>
             <a:r>
-              <a:rPr lang="en-US" dirty="0" smtClean="0"/>
+              <a:rPr lang="en-US" dirty="0"/>
               <a:t>Patterns of Interaction 2: Publish-Subscribe</a:t>
             </a:r>
-            <a:endParaRPr lang="en-US" dirty="0"/>
           </a:p>
         </p:txBody>
       </p:sp>
@@ -4896,30 +4815,29 @@
           <a:lstStyle/>
           <a:p>
             <a:r>
-              <a:rPr lang="en-US" dirty="0" smtClean="0"/>
+              <a:rPr lang="en-US" dirty="0"/>
               <a:t>CS 5010 Program Design Paradigms</a:t>
             </a:r>
           </a:p>
           <a:p>
             <a:r>
-              <a:rPr lang="en-US" dirty="0" smtClean="0"/>
+              <a:rPr lang="en-US" dirty="0"/>
               <a:t>"</a:t>
             </a:r>
             <a:r>
-              <a:rPr lang="en-US" dirty="0" err="1" smtClean="0"/>
+              <a:rPr lang="en-US" dirty="0" err="1"/>
               <a:t>Bootcamp</a:t>
             </a:r>
             <a:r>
-              <a:rPr lang="en-US" dirty="0" smtClean="0"/>
+              <a:rPr lang="en-US" dirty="0"/>
               <a:t>"</a:t>
             </a:r>
           </a:p>
           <a:p>
             <a:r>
-              <a:rPr lang="en-US" dirty="0" smtClean="0"/>
+              <a:rPr lang="en-US" dirty="0"/>
               <a:t>Lesson 10.6</a:t>
             </a:r>
-            <a:endParaRPr lang="en-US" dirty="0"/>
           </a:p>
         </p:txBody>
       </p:sp>
@@ -5014,27 +4932,13 @@
             <a:p>
               <a:r>
                 <a:rPr lang="en-US" sz="1000" dirty="0"/>
-                <a:t>© Mitchell Wand, </a:t>
-              </a:r>
-              <a:r>
-                <a:rPr lang="en-US" sz="1000" dirty="0" smtClean="0"/>
-                <a:t>2012-2014</a:t>
+                <a:t>© Mitchell Wand, 2012-2014</a:t>
               </a:r>
             </a:p>
             <a:p>
               <a:r>
-                <a:rPr lang="en-US" sz="1000" dirty="0" smtClean="0"/>
+                <a:rPr lang="en-US" sz="1000" dirty="0"/>
                 <a:t>This work is licensed under a </a:t>
-              </a:r>
-              <a:r>
-                <a:rPr lang="en-US" altLang="en-US" sz="1000" dirty="0" smtClean="0">
-                  <a:solidFill>
-                    <a:srgbClr val="4374B7"/>
-                  </a:solidFill>
-                  <a:latin typeface="Helvetica Neue"/>
-                  <a:hlinkClick r:id="rId4"/>
-                </a:rPr>
-                <a:t>Creative </a:t>
               </a:r>
               <a:r>
                 <a:rPr lang="en-US" altLang="en-US" sz="1000" dirty="0">
@@ -5044,7 +4948,7 @@
                   <a:latin typeface="Helvetica Neue"/>
                   <a:hlinkClick r:id="rId4"/>
                 </a:rPr>
-                <a:t>Commons Attribution-</a:t>
+                <a:t>Creative Commons Attribution-</a:t>
               </a:r>
               <a:r>
                 <a:rPr lang="en-US" altLang="en-US" sz="1000" dirty="0" err="1">
@@ -5067,10 +4971,9 @@
                 <a:t> 4.0 International License</a:t>
               </a:r>
               <a:r>
-                <a:rPr lang="en-US" sz="1000" dirty="0" smtClean="0"/>
+                <a:rPr lang="en-US" sz="1000" dirty="0"/>
                 <a:t>.</a:t>
               </a:r>
-              <a:endParaRPr lang="en-US" sz="1000" dirty="0"/>
             </a:p>
           </p:txBody>
         </p:sp>
@@ -5085,13 +4988,6 @@
   <p:clrMapOvr>
     <a:masterClrMapping/>
   </p:clrMapOvr>
-  <p:timing>
-    <p:tnLst>
-      <p:par>
-        <p:cTn id="1" dur="indefinite" restart="never" nodeType="tmRoot"/>
-      </p:par>
-    </p:tnLst>
-  </p:timing>
 </p:sld>
 </file>
 
@@ -5128,39 +5024,8 @@
           <a:lstStyle/>
           <a:p>
             <a:r>
-              <a:rPr lang="en-US" dirty="0" smtClean="0"/>
-              <a:t>Add code to Wall%</a:t>
-            </a:r>
-            <a:endParaRPr lang="en-US" dirty="0"/>
-          </a:p>
-        </p:txBody>
-      </p:sp>
-      <p:sp>
-        <p:nvSpPr>
-          <p:cNvPr id="3" name="Content Placeholder 2"/>
-          <p:cNvSpPr>
-            <a:spLocks noGrp="1"/>
-          </p:cNvSpPr>
-          <p:nvPr>
-            <p:ph idx="1"/>
-          </p:nvPr>
-        </p:nvSpPr>
-        <p:spPr/>
-        <p:txBody>
-          <a:bodyPr>
-            <a:normAutofit fontScale="40000" lnSpcReduction="20000"/>
-          </a:bodyPr>
-          <a:lstStyle/>
-          <a:p>
-            <a:r>
-              <a:rPr lang="en-US" dirty="0"/>
-              <a:t>(define Wall%</a:t>
-            </a:r>
-          </a:p>
-          <a:p>
-            <a:r>
-              <a:rPr lang="en-US" dirty="0"/>
-              <a:t>  (class* object% (</a:t>
+              <a:rPr lang="en-US" dirty="0"/>
+              <a:t>Add code to </a:t>
             </a:r>
             <a:r>
               <a:rPr lang="en-US" dirty="0" err="1"/>
@@ -5168,61 +5033,93 @@
             </a:r>
             <a:r>
               <a:rPr lang="en-US" dirty="0"/>
+              <a:t>%</a:t>
+            </a:r>
+          </a:p>
+        </p:txBody>
+      </p:sp>
+      <p:sp>
+        <p:nvSpPr>
+          <p:cNvPr id="3" name="Content Placeholder 2"/>
+          <p:cNvSpPr>
+            <a:spLocks noGrp="1"/>
+          </p:cNvSpPr>
+          <p:nvPr>
+            <p:ph idx="1"/>
+          </p:nvPr>
+        </p:nvSpPr>
+        <p:spPr/>
+        <p:txBody>
+          <a:bodyPr>
+            <a:noAutofit/>
+          </a:bodyPr>
+          <a:lstStyle/>
+          <a:p>
+            <a:r>
+              <a:rPr lang="en-US" sz="1200" dirty="0"/>
+              <a:t>(define </a:t>
+            </a:r>
+            <a:r>
+              <a:rPr lang="en-US" sz="1200" dirty="0" err="1"/>
+              <a:t>SWall</a:t>
+            </a:r>
+            <a:r>
+              <a:rPr lang="en-US" sz="1200" dirty="0"/>
+              <a:t>%</a:t>
+            </a:r>
+          </a:p>
+          <a:p>
+            <a:r>
+              <a:rPr lang="en-US" sz="1200" dirty="0"/>
+              <a:t>  (class* object% (</a:t>
+            </a:r>
+            <a:r>
+              <a:rPr lang="en-US" sz="1200" dirty="0" err="1"/>
+              <a:t>SWall</a:t>
+            </a:r>
+            <a:r>
+              <a:rPr lang="en-US" sz="1200" dirty="0"/>
               <a:t>&lt;%&gt;)</a:t>
             </a:r>
           </a:p>
           <a:p>
-            <a:endParaRPr lang="en-US" dirty="0"/>
-          </a:p>
-          <a:p>
-            <a:r>
-              <a:rPr lang="en-US" dirty="0"/>
+            <a:endParaRPr lang="en-US" sz="1200" dirty="0"/>
+          </a:p>
+          <a:p>
+            <a:r>
+              <a:rPr lang="en-US" sz="1200" dirty="0"/>
               <a:t>    (</a:t>
             </a:r>
             <a:r>
-              <a:rPr lang="en-US" dirty="0" err="1"/>
+              <a:rPr lang="en-US" sz="1200" dirty="0" err="1"/>
               <a:t>init</a:t>
             </a:r>
             <a:r>
-              <a:rPr lang="en-US" dirty="0"/>
+              <a:rPr lang="en-US" sz="1200" dirty="0"/>
               <a:t>-field [</a:t>
             </a:r>
             <a:r>
-              <a:rPr lang="en-US" dirty="0" err="1"/>
+              <a:rPr lang="en-US" sz="1200" dirty="0" err="1"/>
               <a:t>pos</a:t>
             </a:r>
             <a:r>
-              <a:rPr lang="en-US" dirty="0"/>
+              <a:rPr lang="en-US" sz="1200" dirty="0"/>
               <a:t> INITIAL-WALL-POSITION]) ; the x position of the wall</a:t>
             </a:r>
           </a:p>
           <a:p>
-            <a:endParaRPr lang="en-US" dirty="0"/>
-          </a:p>
-          <a:p>
-            <a:r>
-              <a:rPr lang="en-US" dirty="0"/>
+            <a:r>
+              <a:rPr lang="en-US" sz="1200" dirty="0"/>
+              <a:t>    ...       </a:t>
+            </a:r>
+          </a:p>
+          <a:p>
+            <a:r>
+              <a:rPr lang="en-US" sz="1200" dirty="0"/>
               <a:t>    </a:t>
             </a:r>
             <a:r>
-              <a:rPr lang="en-US" dirty="0" smtClean="0"/>
-              <a:t>...</a:t>
-            </a:r>
-            <a:endParaRPr lang="en-US" dirty="0"/>
-          </a:p>
-          <a:p>
-            <a:r>
-              <a:rPr lang="en-US" dirty="0"/>
-              <a:t>       </a:t>
-            </a:r>
-          </a:p>
-          <a:p>
-            <a:r>
-              <a:rPr lang="en-US" dirty="0"/>
-              <a:t>    </a:t>
-            </a:r>
-            <a:r>
-              <a:rPr lang="en-US" dirty="0">
+              <a:rPr lang="en-US" sz="1200" dirty="0">
                 <a:solidFill>
                   <a:srgbClr val="FF0000"/>
                 </a:solidFill>
@@ -5230,29 +5127,29 @@
               <a:t>(field [balls empty])</a:t>
             </a:r>
             <a:r>
-              <a:rPr lang="en-US" dirty="0"/>
+              <a:rPr lang="en-US" sz="1200" dirty="0"/>
               <a:t>  ;; the list of registered balls</a:t>
             </a:r>
           </a:p>
           <a:p>
-            <a:endParaRPr lang="en-US" dirty="0"/>
-          </a:p>
-          <a:p>
-            <a:r>
-              <a:rPr lang="en-US" dirty="0"/>
+            <a:endParaRPr lang="en-US" sz="1200" dirty="0"/>
+          </a:p>
+          <a:p>
+            <a:r>
+              <a:rPr lang="en-US" sz="1200" dirty="0"/>
               <a:t>    (super-new)</a:t>
             </a:r>
           </a:p>
           <a:p>
-            <a:endParaRPr lang="en-US" dirty="0"/>
-          </a:p>
-          <a:p>
-            <a:r>
-              <a:rPr lang="en-US" dirty="0"/>
+            <a:endParaRPr lang="en-US" sz="1200" dirty="0"/>
+          </a:p>
+          <a:p>
+            <a:r>
+              <a:rPr lang="en-US" sz="1200" dirty="0"/>
               <a:t>    </a:t>
             </a:r>
             <a:r>
-              <a:rPr lang="en-US" strike="sngStrike" dirty="0">
+              <a:rPr lang="en-US" sz="1200" strike="sngStrike" dirty="0">
                 <a:solidFill>
                   <a:schemeClr val="bg1">
                     <a:lumMod val="65000"/>
@@ -5264,17 +5161,27 @@
           </a:p>
           <a:p>
             <a:r>
-              <a:rPr lang="en-US" strike="sngStrike" dirty="0">
+              <a:rPr lang="en-US" sz="1200" dirty="0">
                 <a:solidFill>
                   <a:schemeClr val="bg1">
                     <a:lumMod val="65000"/>
                   </a:schemeClr>
                 </a:solidFill>
               </a:rPr>
-              <a:t>    ;; (define/public (get-</a:t>
-            </a:r>
-            <a:r>
-              <a:rPr lang="en-US" strike="sngStrike" dirty="0" err="1">
+              <a:t>    </a:t>
+            </a:r>
+            <a:r>
+              <a:rPr lang="en-US" sz="1200" strike="sngStrike" dirty="0">
+                <a:solidFill>
+                  <a:schemeClr val="bg1">
+                    <a:lumMod val="65000"/>
+                  </a:schemeClr>
+                </a:solidFill>
+              </a:rPr>
+              <a:t>;; (define/public (get-</a:t>
+            </a:r>
+            <a:r>
+              <a:rPr lang="en-US" sz="1200" strike="sngStrike" dirty="0" err="1">
                 <a:solidFill>
                   <a:schemeClr val="bg1">
                     <a:lumMod val="65000"/>
@@ -5284,7 +5191,7 @@
               <a:t>pos</a:t>
             </a:r>
             <a:r>
-              <a:rPr lang="en-US" strike="sngStrike" dirty="0">
+              <a:rPr lang="en-US" sz="1200" strike="sngStrike" dirty="0">
                 <a:solidFill>
                   <a:schemeClr val="bg1">
                     <a:lumMod val="65000"/>
@@ -5294,7 +5201,7 @@
               <a:t>) </a:t>
             </a:r>
             <a:r>
-              <a:rPr lang="en-US" strike="sngStrike" dirty="0" err="1">
+              <a:rPr lang="en-US" sz="1200" strike="sngStrike" dirty="0" err="1">
                 <a:solidFill>
                   <a:schemeClr val="bg1">
                     <a:lumMod val="65000"/>
@@ -5304,7 +5211,7 @@
               <a:t>pos</a:t>
             </a:r>
             <a:r>
-              <a:rPr lang="en-US" strike="sngStrike" dirty="0">
+              <a:rPr lang="en-US" sz="1200" strike="sngStrike" dirty="0">
                 <a:solidFill>
                   <a:schemeClr val="bg1">
                     <a:lumMod val="65000"/>
@@ -5315,54 +5222,46 @@
             </a:r>
           </a:p>
           <a:p>
-            <a:endParaRPr lang="en-US" dirty="0"/>
-          </a:p>
-          <a:p>
-            <a:r>
-              <a:rPr lang="en-US" dirty="0"/>
-              <a:t>    ;; </a:t>
-            </a:r>
-            <a:r>
-              <a:rPr lang="en-US" dirty="0" smtClean="0"/>
-              <a:t>register : </a:t>
-            </a:r>
-            <a:r>
-              <a:rPr lang="en-US" dirty="0" err="1" smtClean="0"/>
+            <a:endParaRPr lang="en-US" sz="1200" dirty="0"/>
+          </a:p>
+          <a:p>
+            <a:r>
+              <a:rPr lang="en-US" sz="1200" dirty="0"/>
+              <a:t>    ;; register : </a:t>
+            </a:r>
+            <a:r>
+              <a:rPr lang="en-US" sz="1200" dirty="0" err="1"/>
               <a:t>SBall</a:t>
             </a:r>
             <a:r>
-              <a:rPr lang="en-US" dirty="0" smtClean="0"/>
-              <a:t>&lt;%&gt; </a:t>
-            </a:r>
-            <a:r>
-              <a:rPr lang="en-US" dirty="0"/>
-              <a:t>-&gt; </a:t>
-            </a:r>
-            <a:r>
-              <a:rPr lang="en-US" dirty="0" err="1"/>
+              <a:rPr lang="en-US" sz="1200" dirty="0"/>
+              <a:t> -&gt; </a:t>
+            </a:r>
+            <a:r>
+              <a:rPr lang="en-US" sz="1200" dirty="0" err="1"/>
               <a:t>Int</a:t>
             </a:r>
-            <a:endParaRPr lang="en-US" dirty="0"/>
-          </a:p>
-          <a:p>
-            <a:r>
-              <a:rPr lang="en-US" dirty="0"/>
+            <a:endParaRPr lang="en-US" sz="1200" dirty="0"/>
+          </a:p>
+          <a:p>
+            <a:r>
+              <a:rPr lang="en-US" sz="1200" dirty="0"/>
               <a:t>    ;; EFFECT: registers the given ball</a:t>
             </a:r>
           </a:p>
           <a:p>
             <a:r>
-              <a:rPr lang="en-US" dirty="0"/>
+              <a:rPr lang="en-US" sz="1200" dirty="0"/>
               <a:t>    ;; RETURNS: the current position of the wall</a:t>
             </a:r>
           </a:p>
           <a:p>
             <a:r>
-              <a:rPr lang="en-US" dirty="0"/>
+              <a:rPr lang="en-US" sz="1200" dirty="0"/>
               <a:t>    </a:t>
             </a:r>
             <a:r>
-              <a:rPr lang="en-US" dirty="0">
+              <a:rPr lang="en-US" sz="1200" dirty="0">
                 <a:solidFill>
                   <a:srgbClr val="FF0000"/>
                 </a:solidFill>
@@ -5372,7 +5271,7 @@
           </a:p>
           <a:p>
             <a:r>
-              <a:rPr lang="en-US" dirty="0">
+              <a:rPr lang="en-US" sz="1200" dirty="0">
                 <a:solidFill>
                   <a:srgbClr val="FF0000"/>
                 </a:solidFill>
@@ -5382,7 +5281,7 @@
           </a:p>
           <a:p>
             <a:r>
-              <a:rPr lang="en-US" dirty="0">
+              <a:rPr lang="en-US" sz="1200" dirty="0">
                 <a:solidFill>
                   <a:srgbClr val="FF0000"/>
                 </a:solidFill>
@@ -5392,7 +5291,7 @@
           </a:p>
           <a:p>
             <a:r>
-              <a:rPr lang="en-US" dirty="0">
+              <a:rPr lang="en-US" sz="1200" dirty="0">
                 <a:solidFill>
                   <a:srgbClr val="FF0000"/>
                 </a:solidFill>
@@ -5400,7 +5299,7 @@
               <a:t>        </a:t>
             </a:r>
             <a:r>
-              <a:rPr lang="en-US" dirty="0" err="1">
+              <a:rPr lang="en-US" sz="1200" dirty="0" err="1">
                 <a:solidFill>
                   <a:srgbClr val="FF0000"/>
                 </a:solidFill>
@@ -5408,7 +5307,7 @@
               <a:t>pos</a:t>
             </a:r>
             <a:r>
-              <a:rPr lang="en-US" dirty="0">
+              <a:rPr lang="en-US" sz="1200" dirty="0">
                 <a:solidFill>
                   <a:srgbClr val="FF0000"/>
                 </a:solidFill>
@@ -5489,10 +5388,9 @@
           <a:lstStyle/>
           <a:p>
             <a:r>
-              <a:rPr lang="en-US" dirty="0" smtClean="0"/>
+              <a:rPr lang="en-US" dirty="0"/>
               <a:t>And the wall needs to publish whenever its position changes</a:t>
             </a:r>
-            <a:endParaRPr lang="en-US" dirty="0"/>
           </a:p>
         </p:txBody>
       </p:sp>
@@ -5520,15 +5418,7 @@
             </a:pPr>
             <a:r>
               <a:rPr lang="en-US" sz="1600" dirty="0"/>
-              <a:t> </a:t>
-            </a:r>
-            <a:r>
-              <a:rPr lang="en-US" sz="1600" dirty="0" smtClean="0"/>
-              <a:t>   ; </a:t>
-            </a:r>
-            <a:r>
-              <a:rPr lang="en-US" sz="1600" dirty="0"/>
-              <a:t>after-drag : Integer </a:t>
+              <a:t>    ; after-drag : Integer </a:t>
             </a:r>
             <a:r>
               <a:rPr lang="en-US" sz="1600" dirty="0" err="1"/>
@@ -5536,13 +5426,8 @@
             </a:r>
             <a:r>
               <a:rPr lang="en-US" sz="1600" dirty="0"/>
-              <a:t> </a:t>
-            </a:r>
-            <a:r>
-              <a:rPr lang="en-US" sz="1600" dirty="0" smtClean="0"/>
-              <a:t>-&gt; Void</a:t>
-            </a:r>
-            <a:endParaRPr lang="en-US" sz="1600" dirty="0"/>
+              <a:t> -&gt; Void</a:t>
+            </a:r>
           </a:p>
           <a:p>
             <a:pPr>
@@ -5596,13 +5481,8 @@
             </a:pPr>
             <a:r>
               <a:rPr lang="en-US" sz="1600" dirty="0"/>
-              <a:t>    ; the </a:t>
-            </a:r>
-            <a:r>
-              <a:rPr lang="en-US" sz="1600" dirty="0" smtClean="0"/>
-              <a:t>registered balls.</a:t>
-            </a:r>
-            <a:endParaRPr lang="en-US" sz="1600" dirty="0"/>
+              <a:t>    ; the registered balls.</a:t>
+            </a:r>
           </a:p>
           <a:p>
             <a:pPr>
@@ -5633,12 +5513,8 @@
               </a:spcBef>
             </a:pPr>
             <a:r>
-              <a:rPr lang="en-US" sz="1600" dirty="0" smtClean="0"/>
-              <a:t>        </a:t>
-            </a:r>
-            <a:r>
               <a:rPr lang="en-US" sz="1600" dirty="0"/>
-              <a:t>(begin</a:t>
+              <a:t>        (begin</a:t>
             </a:r>
           </a:p>
           <a:p>
@@ -5667,7 +5543,7 @@
               </a:spcBef>
             </a:pPr>
             <a:r>
-              <a:rPr lang="en-US" sz="1600" dirty="0" smtClean="0"/>
+              <a:rPr lang="en-US" sz="1600" dirty="0"/>
               <a:t>          </a:t>
             </a:r>
             <a:r>
@@ -5738,21 +5614,12 @@
                   <a:srgbClr val="FF0000"/>
                 </a:solidFill>
               </a:rPr>
-              <a:t>            balls</a:t>
-            </a:r>
-            <a:r>
-              <a:rPr lang="en-US" sz="1600" dirty="0" smtClean="0">
-                <a:solidFill>
-                  <a:srgbClr val="FF0000"/>
-                </a:solidFill>
-              </a:rPr>
+              <a:t>            balls)</a:t>
+            </a:r>
+            <a:r>
+              <a:rPr lang="en-US" sz="1600" dirty="0"/>
               <a:t>)</a:t>
             </a:r>
-            <a:r>
-              <a:rPr lang="en-US" sz="1600" dirty="0" smtClean="0"/>
-              <a:t>)</a:t>
-            </a:r>
-            <a:endParaRPr lang="en-US" sz="1600" dirty="0"/>
           </a:p>
           <a:p>
             <a:pPr>
@@ -5868,10 +5735,9 @@
           <a:lstStyle/>
           <a:p>
             <a:r>
-              <a:rPr lang="en-US" dirty="0" smtClean="0"/>
+              <a:rPr lang="en-US" dirty="0"/>
               <a:t>How does a ball decide when to bounce in publish-subscribe.rkt?</a:t>
             </a:r>
-            <a:endParaRPr lang="en-US" dirty="0"/>
           </a:p>
         </p:txBody>
       </p:sp>
@@ -5921,11 +5787,11 @@
           <a:lstStyle/>
           <a:p>
             <a:r>
-              <a:rPr lang="en-US" sz="3200" dirty="0" smtClean="0"/>
+              <a:rPr lang="en-US" sz="3200" dirty="0"/>
               <a:t>wall </a:t>
             </a:r>
             <a:r>
-              <a:rPr lang="en-US" sz="3200" i="1" dirty="0" smtClean="0">
+              <a:rPr lang="en-US" sz="3200" i="1" dirty="0">
                 <a:solidFill>
                   <a:srgbClr val="FF0000"/>
                 </a:solidFill>
@@ -5933,10 +5799,9 @@
               <a:t>pushes</a:t>
             </a:r>
             <a:r>
-              <a:rPr lang="en-US" sz="3200" dirty="0" smtClean="0"/>
+              <a:rPr lang="en-US" sz="3200" dirty="0"/>
               <a:t> information to the ball</a:t>
             </a:r>
-            <a:endParaRPr lang="en-US" sz="3200" dirty="0"/>
           </a:p>
         </p:txBody>
       </p:sp>
@@ -5955,12 +5820,14 @@
             <a:avLst/>
           </a:prstGeom>
           <a:solidFill>
-            <a:schemeClr val="accent3">
-              <a:lumMod val="40000"/>
-              <a:lumOff val="60000"/>
+            <a:schemeClr val="accent1">
+              <a:lumMod val="20000"/>
+              <a:lumOff val="80000"/>
             </a:schemeClr>
           </a:solidFill>
-          <a:ln/>
+          <a:ln>
+            <a:noFill/>
+          </a:ln>
         </p:spPr>
         <p:style>
           <a:lnRef idx="2">
@@ -5987,14 +5854,10 @@
           <a:p>
             <a:r>
               <a:rPr lang="en-US" dirty="0"/>
-              <a:t>Here’s a similar diagram showing what happens in </a:t>
-            </a:r>
-            <a:r>
-              <a:rPr lang="en-US" dirty="0" smtClean="0"/>
-              <a:t>publish-</a:t>
-            </a:r>
-            <a:r>
-              <a:rPr lang="en-US" dirty="0" err="1" smtClean="0"/>
+              <a:t>Here’s a similar diagram showing what happens in publish-</a:t>
+            </a:r>
+            <a:r>
+              <a:rPr lang="en-US" dirty="0" err="1"/>
               <a:t>subscribe.rkt</a:t>
             </a:r>
             <a:endParaRPr lang="en-US" dirty="0"/>
@@ -6016,12 +5879,14 @@
             <a:avLst/>
           </a:prstGeom>
           <a:solidFill>
-            <a:schemeClr val="accent3">
-              <a:lumMod val="40000"/>
-              <a:lumOff val="60000"/>
+            <a:schemeClr val="accent1">
+              <a:lumMod val="20000"/>
+              <a:lumOff val="80000"/>
             </a:schemeClr>
           </a:solidFill>
-          <a:ln/>
+          <a:ln>
+            <a:noFill/>
+          </a:ln>
         </p:spPr>
         <p:style>
           <a:lnRef idx="2">
@@ -6047,7 +5912,7 @@
           <a:lstStyle/>
           <a:p>
             <a:r>
-              <a:rPr lang="en-US" dirty="0" smtClean="0">
+              <a:rPr lang="en-US" dirty="0">
                 <a:solidFill>
                   <a:schemeClr val="tx1"/>
                 </a:solidFill>
@@ -6056,25 +5921,21 @@
             </a:r>
             <a:r>
               <a:rPr lang="en-US" dirty="0"/>
-              <a:t>When the ball is created, it subscribes to notifications from the </a:t>
-            </a:r>
-            <a:r>
-              <a:rPr lang="en-US" dirty="0" smtClean="0"/>
-              <a:t>wall and receives an initial value for its local </a:t>
-            </a:r>
-            <a:r>
-              <a:rPr lang="en-US" b="1" dirty="0" smtClean="0"/>
+              <a:t>When the ball is created, it subscribes to notifications from the wall and receives an initial value for its local </a:t>
+            </a:r>
+            <a:r>
+              <a:rPr lang="en-US" b="1" dirty="0"/>
               <a:t>wall-</a:t>
             </a:r>
             <a:r>
-              <a:rPr lang="en-US" b="1" dirty="0" err="1" smtClean="0"/>
+              <a:rPr lang="en-US" b="1" dirty="0" err="1"/>
               <a:t>pos</a:t>
             </a:r>
             <a:r>
-              <a:rPr lang="en-US" dirty="0" smtClean="0"/>
+              <a:rPr lang="en-US" dirty="0"/>
               <a:t> field</a:t>
             </a:r>
-            <a:endParaRPr lang="en-US" dirty="0" smtClean="0">
+            <a:endParaRPr lang="en-US" dirty="0">
               <a:solidFill>
                 <a:schemeClr val="tx1"/>
               </a:solidFill>
@@ -6090,19 +5951,21 @@
         </p:nvSpPr>
         <p:spPr>
           <a:xfrm>
-            <a:off x="6324600" y="3215640"/>
+            <a:off x="6324600" y="3063944"/>
             <a:ext cx="2819400" cy="1676400"/>
           </a:xfrm>
           <a:prstGeom prst="rect">
             <a:avLst/>
           </a:prstGeom>
           <a:solidFill>
-            <a:schemeClr val="accent3">
-              <a:lumMod val="40000"/>
-              <a:lumOff val="60000"/>
+            <a:schemeClr val="accent1">
+              <a:lumMod val="20000"/>
+              <a:lumOff val="80000"/>
             </a:schemeClr>
           </a:solidFill>
-          <a:ln/>
+          <a:ln>
+            <a:noFill/>
+          </a:ln>
         </p:spPr>
         <p:style>
           <a:lnRef idx="2">
@@ -6128,22 +5991,22 @@
           <a:lstStyle/>
           <a:p>
             <a:r>
-              <a:rPr lang="en-US" dirty="0" smtClean="0"/>
-              <a:t>2. When </a:t>
-            </a:r>
-            <a:r>
-              <a:rPr lang="en-US" dirty="0"/>
-              <a:t>the </a:t>
-            </a:r>
-            <a:r>
-              <a:rPr lang="en-US" dirty="0" smtClean="0"/>
-              <a:t>wall </a:t>
-            </a:r>
-            <a:r>
-              <a:rPr lang="en-US" dirty="0"/>
-              <a:t>receives a mouse drag, it sends out a message to all its subscribers notifying them of the new location of the edge. </a:t>
-            </a:r>
-            <a:endParaRPr lang="en-US" dirty="0" smtClean="0">
+              <a:rPr lang="en-US" dirty="0"/>
+              <a:t>2. When the wall receives a mouse drag, it sends out an </a:t>
+            </a:r>
+            <a:r>
+              <a:rPr lang="en-US" b="1" dirty="0"/>
+              <a:t>update-wall-</a:t>
+            </a:r>
+            <a:r>
+              <a:rPr lang="en-US" b="1" dirty="0" err="1"/>
+              <a:t>pos</a:t>
+            </a:r>
+            <a:r>
+              <a:rPr lang="en-US" dirty="0"/>
+              <a:t> message to all its subscribers notifying them of the new location of the edge. </a:t>
+            </a:r>
+            <a:endParaRPr lang="en-US" dirty="0">
               <a:solidFill>
                 <a:schemeClr val="tx1"/>
               </a:solidFill>
@@ -6166,12 +6029,14 @@
             <a:avLst/>
           </a:prstGeom>
           <a:solidFill>
-            <a:schemeClr val="accent3">
-              <a:lumMod val="40000"/>
-              <a:lumOff val="60000"/>
+            <a:schemeClr val="accent1">
+              <a:lumMod val="20000"/>
+              <a:lumOff val="80000"/>
             </a:schemeClr>
           </a:solidFill>
-          <a:ln/>
+          <a:ln>
+            <a:noFill/>
+          </a:ln>
         </p:spPr>
         <p:style>
           <a:lnRef idx="2">
@@ -6198,34 +6063,26 @@
           <a:p>
             <a:pPr algn="ctr"/>
             <a:r>
-              <a:rPr lang="en-US" dirty="0" smtClean="0"/>
-              <a:t>3. When </a:t>
-            </a:r>
-            <a:r>
-              <a:rPr lang="en-US" dirty="0"/>
-              <a:t>the ball receives this message, it updates its local </a:t>
-            </a:r>
-            <a:r>
-              <a:rPr lang="en-US" b="1" dirty="0" smtClean="0"/>
+              <a:rPr lang="en-US" dirty="0"/>
+              <a:t>3. When the ball receives this message, it updates its local </a:t>
+            </a:r>
+            <a:r>
+              <a:rPr lang="en-US" b="1" dirty="0"/>
               <a:t>wall-</a:t>
             </a:r>
             <a:r>
-              <a:rPr lang="en-US" b="1" dirty="0" err="1" smtClean="0"/>
+              <a:rPr lang="en-US" b="1" dirty="0" err="1"/>
               <a:t>pos</a:t>
             </a:r>
             <a:r>
-              <a:rPr lang="en-US" b="1" dirty="0" smtClean="0"/>
+              <a:rPr lang="en-US" b="1" dirty="0"/>
               <a:t> </a:t>
             </a:r>
             <a:r>
-              <a:rPr lang="en-US" dirty="0" smtClean="0"/>
-              <a:t>field</a:t>
-            </a:r>
-            <a:r>
-              <a:rPr lang="en-US" dirty="0"/>
-              <a:t>.</a:t>
-            </a:r>
-            <a:endParaRPr lang="en-US" dirty="0" smtClean="0">
+              <a:rPr lang="en-US" dirty="0"/>
+              <a:t>field.</a:t>
+            </a:r>
+            <a:endParaRPr lang="en-US" dirty="0">
               <a:solidFill>
                 <a:schemeClr val="tx1"/>
               </a:solidFill>
@@ -6248,12 +6105,14 @@
             <a:avLst/>
           </a:prstGeom>
           <a:solidFill>
-            <a:schemeClr val="accent3">
-              <a:lumMod val="40000"/>
-              <a:lumOff val="60000"/>
+            <a:schemeClr val="accent1">
+              <a:lumMod val="20000"/>
+              <a:lumOff val="80000"/>
             </a:schemeClr>
           </a:solidFill>
-          <a:ln/>
+          <a:ln>
+            <a:noFill/>
+          </a:ln>
         </p:spPr>
         <p:style>
           <a:lnRef idx="2">
@@ -6279,34 +6138,21 @@
           <a:lstStyle/>
           <a:p>
             <a:r>
-              <a:rPr lang="en-US" dirty="0" smtClean="0"/>
-              <a:t>4. When </a:t>
-            </a:r>
-            <a:r>
-              <a:rPr lang="en-US" dirty="0"/>
-              <a:t>the ball receives an on-tick message, it consults its local </a:t>
-            </a:r>
-            <a:r>
-              <a:rPr lang="en-US" b="1" dirty="0" smtClean="0"/>
+              <a:rPr lang="en-US" dirty="0"/>
+              <a:t>4. When the ball receives an on-tick message, it consults its local </a:t>
+            </a:r>
+            <a:r>
+              <a:rPr lang="en-US" b="1" dirty="0"/>
               <a:t>wall-</a:t>
             </a:r>
             <a:r>
-              <a:rPr lang="en-US" b="1" dirty="0" err="1" smtClean="0"/>
+              <a:rPr lang="en-US" b="1" dirty="0" err="1"/>
               <a:t>pos</a:t>
             </a:r>
             <a:r>
-              <a:rPr lang="en-US" dirty="0" smtClean="0"/>
-              <a:t> </a:t>
-            </a:r>
-            <a:r>
-              <a:rPr lang="en-US" dirty="0"/>
-              <a:t>field to determine the current location of the right edge</a:t>
-            </a:r>
-            <a:r>
-              <a:rPr lang="en-US" dirty="0" smtClean="0"/>
-              <a:t>.</a:t>
-            </a:r>
-            <a:endParaRPr lang="en-US" dirty="0"/>
+              <a:rPr lang="en-US" dirty="0"/>
+              <a:t> field to determine the current location of the right edge.</a:t>
+            </a:r>
           </a:p>
         </p:txBody>
       </p:sp>
@@ -6325,12 +6171,14 @@
             <a:avLst/>
           </a:prstGeom>
           <a:solidFill>
-            <a:schemeClr val="accent3">
-              <a:lumMod val="40000"/>
-              <a:lumOff val="60000"/>
+            <a:schemeClr val="accent1">
+              <a:lumMod val="20000"/>
+              <a:lumOff val="80000"/>
             </a:schemeClr>
           </a:solidFill>
-          <a:ln/>
+          <a:ln>
+            <a:noFill/>
+          </a:ln>
         </p:spPr>
         <p:style>
           <a:lnRef idx="2">
@@ -6365,15 +6213,7 @@
             </a:r>
             <a:r>
               <a:rPr lang="en-US" dirty="0"/>
-              <a:t> model:  the </a:t>
-            </a:r>
-            <a:r>
-              <a:rPr lang="en-US" dirty="0" smtClean="0"/>
-              <a:t>wall </a:t>
-            </a:r>
-            <a:r>
-              <a:rPr lang="en-US" dirty="0"/>
-              <a:t>pushes information to the ball for the ball’s later use.</a:t>
+              <a:t> model:  the wall pushes information to the ball for the ball’s later use.</a:t>
             </a:r>
           </a:p>
         </p:txBody>
@@ -6694,10 +6534,9 @@
           <a:lstStyle/>
           <a:p>
             <a:r>
-              <a:rPr lang="en-US" dirty="0" smtClean="0"/>
+              <a:rPr lang="en-US" dirty="0"/>
               <a:t>Initializing the world</a:t>
             </a:r>
-            <a:endParaRPr lang="en-US" dirty="0"/>
           </a:p>
         </p:txBody>
       </p:sp>
@@ -6755,15 +6594,7 @@
           <a:p>
             <a:r>
               <a:rPr lang="en-US" dirty="0"/>
-              <a:t>     </a:t>
-            </a:r>
-            <a:r>
-              <a:rPr lang="en-US" dirty="0" smtClean="0"/>
-              <a:t>(</a:t>
-            </a:r>
-            <a:r>
-              <a:rPr lang="en-US" dirty="0"/>
-              <a:t>define the-ball (new Ball% [w the-wall]))</a:t>
+              <a:t>     (define the-ball (new Ball% [w the-wall]))</a:t>
             </a:r>
           </a:p>
           <a:p>
@@ -6775,7 +6606,15 @@
           <a:p>
             <a:r>
               <a:rPr lang="en-US" dirty="0"/>
-              <a:t>       (make-world-state </a:t>
+              <a:t>       (make-</a:t>
+            </a:r>
+            <a:r>
+              <a:rPr lang="en-US" dirty="0" err="1"/>
+              <a:t>sworld</a:t>
+            </a:r>
+            <a:r>
+              <a:rPr lang="en-US" dirty="0"/>
+              <a:t> </a:t>
             </a:r>
           </a:p>
           <a:p>
@@ -6792,15 +6631,7 @@
           <a:p>
             <a:r>
               <a:rPr lang="en-US" dirty="0"/>
-              <a:t>         (list </a:t>
-            </a:r>
-            <a:r>
-              <a:rPr lang="en-US" dirty="0" smtClean="0"/>
-              <a:t>the-ball the-wall</a:t>
-            </a:r>
-            <a:r>
-              <a:rPr lang="en-US" dirty="0"/>
-              <a:t>)))</a:t>
+              <a:t>         (list the-ball the-wall)))</a:t>
             </a:r>
           </a:p>
           <a:p>
@@ -6851,12 +6682,8 @@
           </a:p>
           <a:p>
             <a:r>
-              <a:rPr lang="en-US" dirty="0" smtClean="0"/>
-              <a:t>      the-world</a:t>
-            </a:r>
-            <a:r>
-              <a:rPr lang="en-US" dirty="0"/>
-              <a:t>)))</a:t>
+              <a:rPr lang="en-US" dirty="0"/>
+              <a:t>      the-world)))</a:t>
             </a:r>
           </a:p>
         </p:txBody>
@@ -6930,10 +6757,9 @@
           <a:lstStyle/>
           <a:p>
             <a:r>
-              <a:rPr lang="en-US" dirty="0" smtClean="0"/>
+              <a:rPr lang="en-US" dirty="0"/>
               <a:t>But wait: this doesn't quite work</a:t>
             </a:r>
-            <a:endParaRPr lang="en-US" dirty="0"/>
           </a:p>
         </p:txBody>
       </p:sp>
@@ -6953,30 +6779,29 @@
           <a:lstStyle/>
           <a:p>
             <a:r>
-              <a:rPr lang="en-US" dirty="0" smtClean="0"/>
+              <a:rPr lang="en-US" dirty="0"/>
               <a:t>If you run this, you'll see that the ball doesn't quite bounce at the right places.</a:t>
             </a:r>
           </a:p>
           <a:p>
             <a:r>
-              <a:rPr lang="en-US" dirty="0" smtClean="0"/>
+              <a:rPr lang="en-US" dirty="0"/>
               <a:t>What happened?</a:t>
             </a:r>
           </a:p>
           <a:p>
             <a:r>
-              <a:rPr lang="en-US" dirty="0" smtClean="0"/>
+              <a:rPr lang="en-US" dirty="0"/>
               <a:t>Hmm, must be time to think harder about testing and debugging </a:t>
             </a:r>
             <a:r>
-              <a:rPr lang="en-US" dirty="0" err="1" smtClean="0"/>
+              <a:rPr lang="en-US" dirty="0" err="1"/>
               <a:t>stateful</a:t>
             </a:r>
             <a:r>
-              <a:rPr lang="en-US" dirty="0" smtClean="0"/>
+              <a:rPr lang="en-US" dirty="0"/>
               <a:t> systems.</a:t>
             </a:r>
-            <a:endParaRPr lang="en-US" dirty="0"/>
           </a:p>
         </p:txBody>
       </p:sp>
@@ -7049,10 +6874,9 @@
           <a:lstStyle/>
           <a:p>
             <a:r>
-              <a:rPr lang="en-US" dirty="0" smtClean="0"/>
+              <a:rPr lang="en-US" dirty="0"/>
               <a:t>In our next lesson</a:t>
             </a:r>
-            <a:endParaRPr lang="en-US" dirty="0"/>
           </a:p>
         </p:txBody>
       </p:sp>
@@ -7072,24 +6896,23 @@
           <a:lstStyle/>
           <a:p>
             <a:r>
-              <a:rPr lang="en-US" dirty="0" smtClean="0"/>
-              <a:t>We'll see how to test and debug </a:t>
-            </a:r>
-            <a:r>
-              <a:rPr lang="en-US" dirty="0" err="1" smtClean="0"/>
+              <a:rPr lang="en-US" dirty="0"/>
+              <a:t>In our next lesson, we'll see how to test and debug </a:t>
+            </a:r>
+            <a:r>
+              <a:rPr lang="en-US" dirty="0" err="1"/>
               <a:t>stateful</a:t>
             </a:r>
             <a:r>
-              <a:rPr lang="en-US" dirty="0" smtClean="0"/>
+              <a:rPr lang="en-US" dirty="0"/>
               <a:t> objects</a:t>
             </a:r>
           </a:p>
           <a:p>
             <a:r>
-              <a:rPr lang="en-US" dirty="0" smtClean="0"/>
+              <a:rPr lang="en-US" dirty="0"/>
               <a:t>In particular, we'll see how we found the bug in our system.</a:t>
             </a:r>
-            <a:endParaRPr lang="en-US" dirty="0"/>
           </a:p>
         </p:txBody>
       </p:sp>
@@ -7162,10 +6985,9 @@
           <a:lstStyle/>
           <a:p>
             <a:r>
-              <a:rPr lang="en-US" dirty="0" smtClean="0"/>
+              <a:rPr lang="en-US" dirty="0"/>
               <a:t>Reasons to use publish-subscribe</a:t>
             </a:r>
-            <a:endParaRPr lang="en-US" dirty="0"/>
           </a:p>
         </p:txBody>
       </p:sp>
@@ -7185,36 +7007,35 @@
           <a:lstStyle/>
           <a:p>
             <a:r>
-              <a:rPr lang="en-US" dirty="0" smtClean="0"/>
+              <a:rPr lang="en-US" dirty="0"/>
               <a:t>Metaphor:  </a:t>
             </a:r>
           </a:p>
           <a:p>
             <a:pPr lvl="1"/>
             <a:r>
-              <a:rPr lang="en-US" dirty="0" smtClean="0"/>
+              <a:rPr lang="en-US" dirty="0"/>
               <a:t>"you" are an information-supplier</a:t>
             </a:r>
           </a:p>
           <a:p>
             <a:pPr lvl="1"/>
             <a:r>
-              <a:rPr lang="en-US" dirty="0" smtClean="0"/>
+              <a:rPr lang="en-US" dirty="0"/>
               <a:t>You have many people that  depend on your information</a:t>
             </a:r>
           </a:p>
           <a:p>
             <a:r>
-              <a:rPr lang="en-US" dirty="0" smtClean="0"/>
+              <a:rPr lang="en-US" dirty="0"/>
               <a:t>Your information changes rarely, so most of your dependents' questions are redundant</a:t>
             </a:r>
           </a:p>
           <a:p>
             <a:r>
-              <a:rPr lang="en-US" dirty="0" smtClean="0"/>
+              <a:rPr lang="en-US" dirty="0"/>
               <a:t>You don't know who needs your information</a:t>
             </a:r>
-            <a:endParaRPr lang="en-US" dirty="0"/>
           </a:p>
         </p:txBody>
       </p:sp>
@@ -7251,13 +7072,6 @@
   <p:clrMapOvr>
     <a:masterClrMapping/>
   </p:clrMapOvr>
-  <p:timing>
-    <p:tnLst>
-      <p:par>
-        <p:cTn id="1" dur="indefinite" restart="never" nodeType="tmRoot"/>
-      </p:par>
-    </p:tnLst>
-  </p:timing>
 </p:sld>
 </file>
 
@@ -7294,10 +7108,9 @@
           <a:lstStyle/>
           <a:p>
             <a:r>
-              <a:rPr lang="en-US" dirty="0" smtClean="0"/>
+              <a:rPr lang="en-US" dirty="0"/>
               <a:t>Other uses of publish-subscribe</a:t>
             </a:r>
-            <a:endParaRPr lang="en-US" dirty="0"/>
           </a:p>
         </p:txBody>
       </p:sp>
@@ -7317,38 +7130,37 @@
           <a:lstStyle/>
           <a:p>
             <a:r>
-              <a:rPr lang="en-US" dirty="0" smtClean="0"/>
+              <a:rPr lang="en-US" dirty="0"/>
               <a:t>Use whenever you need to disseminate information to people you don't know.</a:t>
             </a:r>
           </a:p>
           <a:p>
             <a:r>
-              <a:rPr lang="en-US" dirty="0" smtClean="0"/>
+              <a:rPr lang="en-US" dirty="0"/>
               <a:t>They sign up once, and then you promise to update them when something happens to you (</a:t>
             </a:r>
             <a:r>
-              <a:rPr lang="en-US" dirty="0" err="1" smtClean="0"/>
+              <a:rPr lang="en-US" dirty="0" err="1"/>
               <a:t>eg</a:t>
             </a:r>
             <a:r>
-              <a:rPr lang="en-US" dirty="0" smtClean="0"/>
+              <a:rPr lang="en-US" dirty="0"/>
               <a:t> your information changes)</a:t>
             </a:r>
           </a:p>
           <a:p>
             <a:r>
-              <a:rPr lang="en-US" dirty="0" smtClean="0"/>
+              <a:rPr lang="en-US" dirty="0"/>
               <a:t>Both you and your subscribers must be </a:t>
             </a:r>
             <a:r>
-              <a:rPr lang="en-US" dirty="0" err="1" smtClean="0"/>
+              <a:rPr lang="en-US" dirty="0" err="1"/>
               <a:t>stateful</a:t>
             </a:r>
             <a:r>
-              <a:rPr lang="en-US" dirty="0" smtClean="0"/>
+              <a:rPr lang="en-US" dirty="0"/>
               <a:t>.</a:t>
             </a:r>
-            <a:endParaRPr lang="en-US" dirty="0"/>
           </a:p>
         </p:txBody>
       </p:sp>
@@ -7385,13 +7197,6 @@
   <p:clrMapOvr>
     <a:masterClrMapping/>
   </p:clrMapOvr>
-  <p:timing>
-    <p:tnLst>
-      <p:par>
-        <p:cTn id="1" dur="indefinite" restart="never" nodeType="tmRoot"/>
-      </p:par>
-    </p:tnLst>
-  </p:timing>
 </p:sld>
 </file>
 
@@ -7428,10 +7233,9 @@
           <a:lstStyle/>
           <a:p>
             <a:r>
-              <a:rPr lang="en-US" dirty="0" smtClean="0"/>
+              <a:rPr lang="en-US" dirty="0"/>
               <a:t>Summary</a:t>
             </a:r>
-            <a:endParaRPr lang="en-US" dirty="0"/>
           </a:p>
         </p:txBody>
       </p:sp>
@@ -7453,18 +7257,18 @@
           <a:lstStyle/>
           <a:p>
             <a:r>
-              <a:rPr lang="en-US" dirty="0" smtClean="0"/>
+              <a:rPr lang="en-US" dirty="0"/>
               <a:t>Objects may need to know each other's identity:</a:t>
             </a:r>
           </a:p>
           <a:p>
             <a:pPr lvl="1"/>
             <a:r>
-              <a:rPr lang="en-US" dirty="0" smtClean="0"/>
+              <a:rPr lang="en-US" dirty="0"/>
               <a:t>either to </a:t>
             </a:r>
             <a:r>
-              <a:rPr lang="en-US" i="1" dirty="0" smtClean="0">
+              <a:rPr lang="en-US" i="1" dirty="0">
                 <a:solidFill>
                   <a:srgbClr val="FF0000"/>
                 </a:solidFill>
@@ -7472,18 +7276,18 @@
               <a:t>pull</a:t>
             </a:r>
             <a:r>
-              <a:rPr lang="en-US" dirty="0" smtClean="0"/>
+              <a:rPr lang="en-US" dirty="0"/>
               <a:t> information from that object</a:t>
             </a:r>
           </a:p>
           <a:p>
             <a:pPr lvl="1"/>
             <a:r>
-              <a:rPr lang="en-US" dirty="0" smtClean="0"/>
+              <a:rPr lang="en-US" dirty="0"/>
               <a:t>or to </a:t>
             </a:r>
             <a:r>
-              <a:rPr lang="en-US" i="1" dirty="0" smtClean="0">
+              <a:rPr lang="en-US" i="1" dirty="0">
                 <a:solidFill>
                   <a:srgbClr val="FF0000"/>
                 </a:solidFill>
@@ -7491,83 +7295,83 @@
               <a:t>push</a:t>
             </a:r>
             <a:r>
-              <a:rPr lang="en-US" dirty="0" smtClean="0"/>
+              <a:rPr lang="en-US" dirty="0"/>
               <a:t> information to that object</a:t>
             </a:r>
           </a:p>
           <a:p>
             <a:r>
-              <a:rPr lang="en-US" dirty="0" smtClean="0"/>
+              <a:rPr lang="en-US" dirty="0"/>
               <a:t>Publish-subscribe enables you to send information to objects you don't know about</a:t>
             </a:r>
           </a:p>
           <a:p>
             <a:pPr lvl="1"/>
             <a:r>
-              <a:rPr lang="en-US" dirty="0" smtClean="0"/>
+              <a:rPr lang="en-US" dirty="0"/>
               <a:t>objects register with you ("subscribe")</a:t>
             </a:r>
           </a:p>
           <a:p>
             <a:pPr lvl="1"/>
             <a:r>
-              <a:rPr lang="en-US" dirty="0" smtClean="0"/>
+              <a:rPr lang="en-US" dirty="0"/>
               <a:t>you send them messages ("publish") when your information changes</a:t>
             </a:r>
           </a:p>
           <a:p>
             <a:pPr lvl="1"/>
             <a:r>
-              <a:rPr lang="en-US" dirty="0" smtClean="0"/>
+              <a:rPr lang="en-US" dirty="0"/>
               <a:t>must agree on protocol for transmission</a:t>
             </a:r>
           </a:p>
           <a:p>
             <a:pPr lvl="2"/>
             <a:r>
-              <a:rPr lang="en-US" dirty="0" err="1" smtClean="0"/>
+              <a:rPr lang="en-US" dirty="0" err="1"/>
               <a:t>eg</a:t>
             </a:r>
             <a:r>
-              <a:rPr lang="en-US" dirty="0" smtClean="0"/>
+              <a:rPr lang="en-US" dirty="0"/>
               <a:t>: </a:t>
             </a:r>
             <a:r>
-              <a:rPr lang="en-US" b="1" dirty="0" smtClean="0">
+              <a:rPr lang="en-US" b="1" dirty="0">
                 <a:latin typeface="Consolas" pitchFamily="49" charset="0"/>
                 <a:cs typeface="Consolas" pitchFamily="49" charset="0"/>
               </a:rPr>
               <a:t>(send </a:t>
             </a:r>
             <a:r>
-              <a:rPr lang="en-US" b="1" i="1" dirty="0" smtClean="0">
+              <a:rPr lang="en-US" b="1" i="1" dirty="0">
                 <a:latin typeface="Consolas" pitchFamily="49" charset="0"/>
                 <a:cs typeface="Consolas" pitchFamily="49" charset="0"/>
               </a:rPr>
               <a:t>&lt;subscriber&gt; method-name</a:t>
             </a:r>
             <a:r>
-              <a:rPr lang="en-US" b="1" dirty="0" smtClean="0">
+              <a:rPr lang="en-US" b="1" dirty="0">
                 <a:latin typeface="Consolas" pitchFamily="49" charset="0"/>
                 <a:cs typeface="Consolas" pitchFamily="49" charset="0"/>
               </a:rPr>
               <a:t> </a:t>
             </a:r>
             <a:r>
-              <a:rPr lang="en-US" b="1" i="1" dirty="0" smtClean="0">
+              <a:rPr lang="en-US" b="1" i="1" dirty="0">
                 <a:latin typeface="Consolas" pitchFamily="49" charset="0"/>
                 <a:cs typeface="Consolas" pitchFamily="49" charset="0"/>
               </a:rPr>
               <a:t>&lt;data&gt;</a:t>
             </a:r>
             <a:r>
-              <a:rPr lang="en-US" b="1" dirty="0" smtClean="0">
+              <a:rPr lang="en-US" b="1" dirty="0">
                 <a:latin typeface="Consolas" pitchFamily="49" charset="0"/>
                 <a:cs typeface="Consolas" pitchFamily="49" charset="0"/>
               </a:rPr>
               <a:t>)</a:t>
             </a:r>
-            <a:endParaRPr lang="en-US" b="1" i="1" dirty="0" smtClean="0">
+            <a:endParaRPr lang="en-US" b="1" i="1" dirty="0">
               <a:latin typeface="Consolas" pitchFamily="49" charset="0"/>
               <a:cs typeface="Consolas" pitchFamily="49" charset="0"/>
             </a:endParaRPr>
@@ -7575,10 +7379,9 @@
           <a:p>
             <a:pPr lvl="1"/>
             <a:r>
-              <a:rPr lang="en-US" dirty="0" smtClean="0"/>
+              <a:rPr lang="en-US" dirty="0"/>
               <a:t>it's up to receiver to decide what to do with the data.</a:t>
             </a:r>
-            <a:endParaRPr lang="en-US" dirty="0"/>
           </a:p>
         </p:txBody>
       </p:sp>
@@ -7615,13 +7418,6 @@
   <p:clrMapOvr>
     <a:masterClrMapping/>
   </p:clrMapOvr>
-  <p:timing>
-    <p:tnLst>
-      <p:par>
-        <p:cTn id="1" dur="indefinite" restart="never" nodeType="tmRoot"/>
-      </p:par>
-    </p:tnLst>
-  </p:timing>
 </p:sld>
 </file>
 
@@ -7658,56 +7454,51 @@
           <a:lstStyle/>
           <a:p>
             <a:r>
-              <a:rPr lang="en-US" dirty="0" smtClean="0"/>
+              <a:rPr lang="en-US" dirty="0"/>
               <a:t>Next Steps</a:t>
             </a:r>
+          </a:p>
+        </p:txBody>
+      </p:sp>
+      <p:sp>
+        <p:nvSpPr>
+          <p:cNvPr id="3" name="Content Placeholder 2"/>
+          <p:cNvSpPr>
+            <a:spLocks noGrp="1"/>
+          </p:cNvSpPr>
+          <p:nvPr>
+            <p:ph idx="1"/>
+          </p:nvPr>
+        </p:nvSpPr>
+        <p:spPr/>
+        <p:txBody>
+          <a:bodyPr/>
+          <a:lstStyle/>
+          <a:p>
+            <a:r>
+              <a:rPr lang="en-US" dirty="0"/>
+              <a:t>Study 10-5-push-model.rkt in the Examples folder.</a:t>
+            </a:r>
+          </a:p>
+          <a:p>
+            <a:r>
+              <a:rPr lang="en-US" dirty="0"/>
+              <a:t>Can you find the bug without </a:t>
+            </a:r>
+            <a:r>
+              <a:rPr lang="en-US"/>
+              <a:t>looking ahead?</a:t>
+            </a:r>
             <a:endParaRPr lang="en-US" dirty="0"/>
           </a:p>
-        </p:txBody>
-      </p:sp>
-      <p:sp>
-        <p:nvSpPr>
-          <p:cNvPr id="3" name="Content Placeholder 2"/>
-          <p:cNvSpPr>
-            <a:spLocks noGrp="1"/>
-          </p:cNvSpPr>
-          <p:nvPr>
-            <p:ph idx="1"/>
-          </p:nvPr>
-        </p:nvSpPr>
-        <p:spPr/>
-        <p:txBody>
-          <a:bodyPr/>
-          <a:lstStyle/>
-          <a:p>
-            <a:r>
-              <a:rPr lang="en-US" dirty="0" smtClean="0"/>
-              <a:t>Study 10-5-push-model.rkt in the Examples </a:t>
-            </a:r>
-            <a:r>
-              <a:rPr lang="en-US" dirty="0" smtClean="0"/>
-              <a:t>folder.</a:t>
-            </a:r>
-          </a:p>
-          <a:p>
-            <a:r>
-              <a:rPr lang="en-US" dirty="0" smtClean="0"/>
-              <a:t>Can you find the bug without </a:t>
-            </a:r>
-            <a:r>
-              <a:rPr lang="en-US" smtClean="0"/>
-              <a:t>looking ahead?</a:t>
-            </a:r>
-            <a:endParaRPr lang="en-US" dirty="0" smtClean="0"/>
-          </a:p>
-          <a:p>
-            <a:r>
-              <a:rPr lang="en-US" dirty="0" smtClean="0"/>
+          <a:p>
+            <a:r>
+              <a:rPr lang="en-US" dirty="0"/>
               <a:t>If you have questions about this lesson, ask them on the Discussion Board</a:t>
             </a:r>
           </a:p>
           <a:p>
-            <a:endParaRPr lang="en-US" dirty="0" smtClean="0"/>
+            <a:endParaRPr lang="en-US" dirty="0"/>
           </a:p>
         </p:txBody>
       </p:sp>
@@ -7744,13 +7535,6 @@
   <p:clrMapOvr>
     <a:masterClrMapping/>
   </p:clrMapOvr>
-  <p:timing>
-    <p:tnLst>
-      <p:par>
-        <p:cTn id="1" dur="indefinite" restart="never" nodeType="tmRoot"/>
-      </p:par>
-    </p:tnLst>
-  </p:timing>
 </p:sld>
 </file>
 
@@ -7787,10 +7571,9 @@
           <a:lstStyle/>
           <a:p>
             <a:r>
-              <a:rPr lang="en-US" dirty="0" smtClean="0"/>
+              <a:rPr lang="en-US" dirty="0"/>
               <a:t>Key Points for Lesson 10.6</a:t>
             </a:r>
-            <a:endParaRPr lang="en-US" dirty="0"/>
           </a:p>
         </p:txBody>
       </p:sp>
@@ -7804,50 +7587,52 @@
             <p:ph idx="1"/>
           </p:nvPr>
         </p:nvSpPr>
-        <p:spPr/>
+        <p:spPr>
+          <a:xfrm>
+            <a:off x="457200" y="1600200"/>
+            <a:ext cx="8229600" cy="4756150"/>
+          </a:xfrm>
+        </p:spPr>
         <p:txBody>
           <a:bodyPr>
-            <a:normAutofit fontScale="77500" lnSpcReduction="20000"/>
+            <a:normAutofit fontScale="70000" lnSpcReduction="20000"/>
           </a:bodyPr>
           <a:lstStyle/>
           <a:p>
             <a:r>
-              <a:rPr lang="en-US" dirty="0" smtClean="0"/>
+              <a:rPr lang="en-US" sz="3600" dirty="0"/>
               <a:t>Publish-Subscribe is a programming pattern for implementing push-style communication between objects over time.</a:t>
             </a:r>
           </a:p>
           <a:p>
             <a:r>
-              <a:rPr lang="en-US" dirty="0" smtClean="0"/>
+              <a:rPr lang="en-US" sz="3600" dirty="0"/>
               <a:t>In pub-sub, a publisher keeps a list of subscribers.</a:t>
             </a:r>
           </a:p>
           <a:p>
             <a:r>
-              <a:rPr lang="en-US" dirty="0" smtClean="0"/>
+              <a:rPr lang="en-US" sz="3600" dirty="0"/>
               <a:t>When the publisher changes state, it sends a message notifying each of its subscribers about the state change.</a:t>
             </a:r>
           </a:p>
           <a:p>
             <a:r>
-              <a:rPr lang="en-US" dirty="0" smtClean="0"/>
+              <a:rPr lang="en-US" sz="3600" dirty="0"/>
               <a:t>Each subscriber changes its local state to take note of the messages it receives from the publisher.</a:t>
             </a:r>
           </a:p>
           <a:p>
             <a:r>
-              <a:rPr lang="en-US" dirty="0" smtClean="0"/>
+              <a:rPr lang="en-US" sz="3600" dirty="0"/>
               <a:t>Now, the subscriber can consult its local state instead of sending queries to the publisher.</a:t>
             </a:r>
           </a:p>
           <a:p>
             <a:r>
-              <a:rPr lang="en-US" dirty="0" smtClean="0"/>
+              <a:rPr lang="en-US" sz="3600" dirty="0"/>
               <a:t>Good if queries are much more frequent than state changes.</a:t>
             </a:r>
-          </a:p>
-          <a:p>
-            <a:endParaRPr lang="en-US" dirty="0" smtClean="0"/>
           </a:p>
           <a:p>
             <a:endParaRPr lang="en-US" dirty="0"/>
@@ -7887,13 +7672,6 @@
   <p:clrMapOvr>
     <a:masterClrMapping/>
   </p:clrMapOvr>
-  <p:timing>
-    <p:tnLst>
-      <p:par>
-        <p:cTn id="1" dur="indefinite" restart="never" nodeType="tmRoot"/>
-      </p:par>
-    </p:tnLst>
-  </p:timing>
 </p:sld>
 </file>
 
@@ -7932,10 +7710,9 @@
           <a:lstStyle/>
           <a:p>
             <a:r>
-              <a:rPr lang="en-US" dirty="0" smtClean="0"/>
+              <a:rPr lang="en-US" dirty="0"/>
               <a:t>How to organize collaborating objects?</a:t>
             </a:r>
-            <a:endParaRPr lang="en-US" dirty="0"/>
           </a:p>
         </p:txBody>
       </p:sp>
@@ -7955,52 +7732,41 @@
           <a:lstStyle/>
           <a:p>
             <a:r>
-              <a:rPr lang="en-US" dirty="0" smtClean="0"/>
+              <a:rPr lang="en-US" dirty="0"/>
               <a:t>Principle of Least Knowledge:  </a:t>
             </a:r>
           </a:p>
           <a:p>
             <a:r>
-              <a:rPr lang="en-US" dirty="0" smtClean="0"/>
-              <a:t>Reveal only what's necessary.</a:t>
-            </a:r>
-            <a:endParaRPr lang="en-US" dirty="0"/>
-          </a:p>
-          <a:p>
-            <a:pPr marL="0" indent="0">
-              <a:buNone/>
-            </a:pPr>
-            <a:r>
-              <a:rPr lang="en-US" dirty="0" smtClean="0"/>
-              <a:t> </a:t>
-            </a:r>
-          </a:p>
-          <a:p>
-            <a:r>
-              <a:rPr lang="en-US" dirty="0" smtClean="0"/>
+              <a:rPr lang="en-US" dirty="0"/>
+              <a:t>Reveal only what's necessary. </a:t>
+            </a:r>
+          </a:p>
+          <a:p>
+            <a:r>
+              <a:rPr lang="en-US" dirty="0"/>
               <a:t>Problem: how does the information get to where it's needed?</a:t>
             </a:r>
           </a:p>
           <a:p>
             <a:r>
-              <a:rPr lang="en-US" dirty="0" smtClean="0"/>
+              <a:rPr lang="en-US" dirty="0"/>
               <a:t>We've already talked about this a little in Lesson 10.1</a:t>
             </a:r>
           </a:p>
           <a:p>
             <a:r>
-              <a:rPr lang="en-US" dirty="0" smtClean="0"/>
+              <a:rPr lang="en-US" dirty="0"/>
               <a:t>What happens in a </a:t>
             </a:r>
             <a:r>
-              <a:rPr lang="en-US" dirty="0" err="1" smtClean="0"/>
+              <a:rPr lang="en-US" dirty="0" err="1"/>
               <a:t>stateful</a:t>
             </a:r>
             <a:r>
-              <a:rPr lang="en-US" dirty="0" smtClean="0"/>
+              <a:rPr lang="en-US" dirty="0"/>
               <a:t> system?</a:t>
             </a:r>
-            <a:endParaRPr lang="en-US" dirty="0"/>
           </a:p>
         </p:txBody>
       </p:sp>
@@ -8042,12 +7808,14 @@
             <a:avLst/>
           </a:prstGeom>
           <a:solidFill>
-            <a:schemeClr val="accent3">
-              <a:lumMod val="40000"/>
-              <a:lumOff val="60000"/>
+            <a:schemeClr val="accent1">
+              <a:lumMod val="20000"/>
+              <a:lumOff val="80000"/>
             </a:schemeClr>
           </a:solidFill>
-          <a:ln/>
+          <a:ln>
+            <a:noFill/>
+          </a:ln>
         </p:spPr>
         <p:style>
           <a:lnRef idx="2">
@@ -8074,7 +7842,7 @@
           <a:p>
             <a:pPr algn="ctr"/>
             <a:r>
-              <a:rPr lang="en-US" sz="2400" dirty="0" smtClean="0">
+              <a:rPr lang="en-US" sz="2400" dirty="0">
                 <a:solidFill>
                   <a:schemeClr val="tx1"/>
                 </a:solidFill>
@@ -8094,13 +7862,6 @@
   <p:clrMapOvr>
     <a:masterClrMapping/>
   </p:clrMapOvr>
-  <p:timing>
-    <p:tnLst>
-      <p:par>
-        <p:cTn id="1" dur="indefinite" restart="never" nodeType="tmRoot"/>
-      </p:par>
-    </p:tnLst>
-  </p:timing>
 </p:sld>
 </file>
 
@@ -8139,18 +7900,17 @@
           <a:lstStyle/>
           <a:p>
             <a:r>
-              <a:rPr lang="en-US" dirty="0" smtClean="0"/>
+              <a:rPr lang="en-US" dirty="0"/>
               <a:t>How does a ball decide when to bounce in ball-</a:t>
             </a:r>
             <a:r>
-              <a:rPr lang="en-US" dirty="0" err="1" smtClean="0"/>
+              <a:rPr lang="en-US" dirty="0" err="1"/>
               <a:t>factory.rkt</a:t>
             </a:r>
             <a:r>
-              <a:rPr lang="en-US" dirty="0" smtClean="0"/>
+              <a:rPr lang="en-US" dirty="0"/>
               <a:t>?</a:t>
             </a:r>
-            <a:endParaRPr lang="en-US" dirty="0"/>
           </a:p>
         </p:txBody>
       </p:sp>
@@ -8200,11 +7960,11 @@
           <a:lstStyle/>
           <a:p>
             <a:r>
-              <a:rPr lang="en-US" sz="3200" dirty="0" smtClean="0"/>
+              <a:rPr lang="en-US" sz="3200" dirty="0"/>
               <a:t>Ball </a:t>
             </a:r>
             <a:r>
-              <a:rPr lang="en-US" sz="3200" i="1" dirty="0" smtClean="0">
+              <a:rPr lang="en-US" sz="3200" i="1" dirty="0">
                 <a:solidFill>
                   <a:srgbClr val="FF0000"/>
                 </a:solidFill>
@@ -8212,14 +7972,9 @@
               <a:t>pulls</a:t>
             </a:r>
             <a:r>
-              <a:rPr lang="en-US" sz="3200" dirty="0" smtClean="0"/>
-              <a:t> info from the </a:t>
-            </a:r>
-            <a:r>
-              <a:rPr lang="en-US" sz="3200" dirty="0" smtClean="0"/>
-              <a:t>wall</a:t>
-            </a:r>
-            <a:endParaRPr lang="en-US" sz="3200" dirty="0"/>
+              <a:rPr lang="en-US" sz="3200" dirty="0"/>
+              <a:t> info from the wall</a:t>
+            </a:r>
           </a:p>
         </p:txBody>
       </p:sp>
@@ -8231,19 +7986,21 @@
         </p:nvSpPr>
         <p:spPr>
           <a:xfrm>
-            <a:off x="6918097" y="1767840"/>
+            <a:off x="5959261" y="2044324"/>
             <a:ext cx="2043089" cy="2179320"/>
           </a:xfrm>
           <a:prstGeom prst="rect">
             <a:avLst/>
           </a:prstGeom>
           <a:solidFill>
-            <a:schemeClr val="accent3">
-              <a:lumMod val="40000"/>
-              <a:lumOff val="60000"/>
+            <a:schemeClr val="accent1">
+              <a:lumMod val="20000"/>
+              <a:lumOff val="80000"/>
             </a:schemeClr>
           </a:solidFill>
-          <a:ln/>
+          <a:ln>
+            <a:noFill/>
+          </a:ln>
         </p:spPr>
         <p:style>
           <a:lnRef idx="2">
@@ -8286,15 +8043,7 @@
             </a:r>
             <a:r>
               <a:rPr lang="en-US" dirty="0"/>
-              <a:t> message, it asks its </a:t>
-            </a:r>
-            <a:r>
-              <a:rPr lang="en-US" dirty="0" smtClean="0"/>
-              <a:t>wall </a:t>
-            </a:r>
-            <a:r>
-              <a:rPr lang="en-US" dirty="0"/>
-              <a:t>for the location of its right edge.  This is a pull model. </a:t>
+              <a:t> message, it asks its wall for the location of its right edge.  This is a pull model. </a:t>
             </a:r>
           </a:p>
         </p:txBody>
@@ -8307,19 +8056,21 @@
         </p:nvSpPr>
         <p:spPr>
           <a:xfrm>
-            <a:off x="6598057" y="4808220"/>
+            <a:off x="5959261" y="4484899"/>
             <a:ext cx="2088743" cy="960120"/>
           </a:xfrm>
           <a:prstGeom prst="rect">
             <a:avLst/>
           </a:prstGeom>
           <a:solidFill>
-            <a:schemeClr val="accent3">
-              <a:lumMod val="40000"/>
-              <a:lumOff val="60000"/>
+            <a:schemeClr val="accent1">
+              <a:lumMod val="20000"/>
+              <a:lumOff val="80000"/>
             </a:schemeClr>
           </a:solidFill>
-          <a:ln/>
+          <a:ln>
+            <a:noFill/>
+          </a:ln>
         </p:spPr>
         <p:style>
           <a:lnRef idx="2">
@@ -8399,13 +8150,6 @@
   <p:clrMapOvr>
     <a:masterClrMapping/>
   </p:clrMapOvr>
-  <p:timing>
-    <p:tnLst>
-      <p:par>
-        <p:cTn id="1" dur="indefinite" restart="never" nodeType="tmRoot"/>
-      </p:par>
-    </p:tnLst>
-  </p:timing>
 </p:sld>
 </file>
 
@@ -8442,10 +8186,9 @@
           <a:lstStyle/>
           <a:p>
             <a:r>
-              <a:rPr lang="en-US" dirty="0" smtClean="0"/>
+              <a:rPr lang="en-US" dirty="0"/>
               <a:t>Can we do better?</a:t>
             </a:r>
-            <a:endParaRPr lang="en-US" dirty="0"/>
           </a:p>
         </p:txBody>
       </p:sp>
@@ -8467,22 +8210,21 @@
           <a:lstStyle/>
           <a:p>
             <a:r>
-              <a:rPr lang="en-US" dirty="0" smtClean="0"/>
+              <a:rPr lang="en-US" dirty="0"/>
               <a:t>Each ball asks the wall about its position at every tick.</a:t>
             </a:r>
           </a:p>
           <a:p>
             <a:r>
-              <a:rPr lang="en-US" dirty="0" smtClean="0"/>
+              <a:rPr lang="en-US" dirty="0"/>
               <a:t>But this information doesn't change very often.</a:t>
             </a:r>
           </a:p>
           <a:p>
             <a:r>
-              <a:rPr lang="en-US" dirty="0" smtClean="0"/>
+              <a:rPr lang="en-US" dirty="0"/>
               <a:t>Better idea: Have the wall send a "changed-edge" message to the balls only when the edge actually changes.</a:t>
             </a:r>
-            <a:endParaRPr lang="en-US" dirty="0"/>
           </a:p>
         </p:txBody>
       </p:sp>
@@ -8519,13 +8261,6 @@
   <p:clrMapOvr>
     <a:masterClrMapping/>
   </p:clrMapOvr>
-  <p:timing>
-    <p:tnLst>
-      <p:par>
-        <p:cTn id="1" dur="indefinite" restart="never" nodeType="tmRoot"/>
-      </p:par>
-    </p:tnLst>
-  </p:timing>
 </p:sld>
 </file>
 
@@ -8562,11 +8297,11 @@
           <a:lstStyle/>
           <a:p>
             <a:r>
-              <a:rPr lang="en-US" dirty="0" smtClean="0"/>
+              <a:rPr lang="en-US" dirty="0"/>
               <a:t>This is a </a:t>
             </a:r>
             <a:r>
-              <a:rPr lang="en-US" i="1" dirty="0" smtClean="0">
+              <a:rPr lang="en-US" i="1" dirty="0">
                 <a:solidFill>
                   <a:srgbClr val="FF0000"/>
                 </a:solidFill>
@@ -8574,10 +8309,9 @@
               <a:t>push</a:t>
             </a:r>
             <a:r>
-              <a:rPr lang="en-US" dirty="0" smtClean="0"/>
+              <a:rPr lang="en-US" dirty="0"/>
               <a:t> model</a:t>
             </a:r>
-            <a:endParaRPr lang="en-US" dirty="0"/>
           </a:p>
         </p:txBody>
       </p:sp>
@@ -8599,32 +8333,32 @@
           <a:lstStyle/>
           <a:p>
             <a:r>
-              <a:rPr lang="en-US" dirty="0" smtClean="0"/>
+              <a:rPr lang="en-US" dirty="0"/>
               <a:t>When information changes, the person who changes it pushes it out to the people who need to know.</a:t>
             </a:r>
           </a:p>
           <a:p>
             <a:r>
-              <a:rPr lang="en-US" dirty="0" smtClean="0"/>
+              <a:rPr lang="en-US" dirty="0"/>
               <a:t>How does the information-changer know who to tell?  </a:t>
             </a:r>
           </a:p>
           <a:p>
             <a:pPr lvl="1"/>
             <a:r>
-              <a:rPr lang="en-US" dirty="0" smtClean="0"/>
+              <a:rPr lang="en-US" dirty="0"/>
               <a:t>The information-</a:t>
             </a:r>
             <a:r>
-              <a:rPr lang="en-US" dirty="0" err="1" smtClean="0"/>
+              <a:rPr lang="en-US" dirty="0" err="1"/>
               <a:t>needer</a:t>
             </a:r>
             <a:r>
-              <a:rPr lang="en-US" dirty="0" smtClean="0"/>
+              <a:rPr lang="en-US" dirty="0"/>
               <a:t> must </a:t>
             </a:r>
             <a:r>
-              <a:rPr lang="en-US" i="1" dirty="0" smtClean="0">
+              <a:rPr lang="en-US" i="1" dirty="0">
                 <a:solidFill>
                   <a:srgbClr val="FF0000"/>
                 </a:solidFill>
@@ -8632,7 +8366,7 @@
               <a:t>register</a:t>
             </a:r>
             <a:r>
-              <a:rPr lang="en-US" dirty="0" smtClean="0"/>
+              <a:rPr lang="en-US" dirty="0"/>
               <a:t> with the information-changer.</a:t>
             </a:r>
           </a:p>
@@ -8674,13 +8408,6 @@
   <p:clrMapOvr>
     <a:masterClrMapping/>
   </p:clrMapOvr>
-  <p:timing>
-    <p:tnLst>
-      <p:par>
-        <p:cTn id="1" dur="indefinite" restart="never" nodeType="tmRoot"/>
-      </p:par>
-    </p:tnLst>
-  </p:timing>
 </p:sld>
 </file>
 
@@ -8717,14 +8444,9 @@
           <a:lstStyle/>
           <a:p>
             <a:r>
-              <a:rPr lang="en-US" dirty="0" smtClean="0"/>
-              <a:t>Push model, </a:t>
-            </a:r>
-            <a:r>
-              <a:rPr lang="en-US" dirty="0" smtClean="0"/>
-              <a:t>cont'd</a:t>
-            </a:r>
-            <a:endParaRPr lang="en-US" dirty="0"/>
+              <a:rPr lang="en-US" dirty="0"/>
+              <a:t>Push model, cont'd</a:t>
+            </a:r>
           </a:p>
         </p:txBody>
       </p:sp>
@@ -8746,31 +8468,31 @@
           <a:lstStyle/>
           <a:p>
             <a:r>
-              <a:rPr lang="en-US" dirty="0" smtClean="0"/>
+              <a:rPr lang="en-US" dirty="0"/>
               <a:t>So each ball must tell the wall that it needs to hear about changes in the edge position.</a:t>
             </a:r>
           </a:p>
           <a:p>
             <a:r>
-              <a:rPr lang="en-US" dirty="0" smtClean="0"/>
+              <a:rPr lang="en-US" dirty="0"/>
               <a:t>This means that the balls will now need to be </a:t>
             </a:r>
             <a:r>
-              <a:rPr lang="en-US" dirty="0" err="1" smtClean="0"/>
+              <a:rPr lang="en-US" dirty="0" err="1"/>
               <a:t>stateful</a:t>
             </a:r>
             <a:r>
-              <a:rPr lang="en-US" dirty="0" smtClean="0"/>
+              <a:rPr lang="en-US" dirty="0"/>
               <a:t>, too, so the wall can find them.</a:t>
             </a:r>
           </a:p>
           <a:p>
             <a:r>
-              <a:rPr lang="en-US" dirty="0" smtClean="0"/>
+              <a:rPr lang="en-US" dirty="0"/>
               <a:t>This pattern is called </a:t>
             </a:r>
             <a:r>
-              <a:rPr lang="en-US" i="1" dirty="0" smtClean="0">
+              <a:rPr lang="en-US" i="1" dirty="0">
                 <a:solidFill>
                   <a:srgbClr val="FF0000"/>
                 </a:solidFill>
@@ -8781,11 +8503,11 @@
           <a:p>
             <a:pPr lvl="1"/>
             <a:r>
-              <a:rPr lang="en-US" dirty="0" smtClean="0"/>
+              <a:rPr lang="en-US" dirty="0"/>
               <a:t>also called the </a:t>
             </a:r>
             <a:r>
-              <a:rPr lang="en-US" i="1" dirty="0" smtClean="0">
+              <a:rPr lang="en-US" i="1" dirty="0">
                 <a:solidFill>
                   <a:srgbClr val="FF0000"/>
                 </a:solidFill>
@@ -8793,7 +8515,7 @@
               <a:t>observer</a:t>
             </a:r>
             <a:r>
-              <a:rPr lang="en-US" dirty="0" smtClean="0"/>
+              <a:rPr lang="en-US" dirty="0"/>
               <a:t> pattern.</a:t>
             </a:r>
           </a:p>
@@ -8835,13 +8557,6 @@
   <p:clrMapOvr>
     <a:masterClrMapping/>
   </p:clrMapOvr>
-  <p:timing>
-    <p:tnLst>
-      <p:par>
-        <p:cTn id="1" dur="indefinite" restart="never" nodeType="tmRoot"/>
-      </p:par>
-    </p:tnLst>
-  </p:timing>
 </p:sld>
 </file>
 
@@ -8878,10 +8593,9 @@
           <a:lstStyle/>
           <a:p>
             <a:r>
-              <a:rPr lang="en-US" dirty="0" smtClean="0"/>
-              <a:t>Updated interfaces:</a:t>
-            </a:r>
-            <a:endParaRPr lang="en-US" dirty="0"/>
+              <a:rPr lang="en-US" dirty="0"/>
+              <a:t>Updated interfaces</a:t>
+            </a:r>
           </a:p>
         </p:txBody>
       </p:sp>
@@ -9120,7 +8834,7 @@
             </a:r>
             <a:r>
               <a:rPr lang="en-US" sz="1200" dirty="0"/>
-              <a:t>&lt;%&gt; -&gt; </a:t>
+              <a:t> -&gt; </a:t>
             </a:r>
             <a:r>
               <a:rPr lang="en-US" sz="1200" dirty="0" err="1"/>
@@ -9142,10 +8856,7 @@
               <a:rPr lang="en-US" sz="1200" dirty="0" err="1"/>
               <a:t>SBall</a:t>
             </a:r>
-            <a:r>
-              <a:rPr lang="en-US" sz="1200" dirty="0"/>
-              <a:t>&lt;%&gt;</a:t>
-            </a:r>
+            <a:endParaRPr lang="en-US" sz="1200" dirty="0"/>
           </a:p>
           <a:p>
             <a:pPr>
@@ -9240,19 +8951,21 @@
         </p:nvSpPr>
         <p:spPr>
           <a:xfrm>
-            <a:off x="4724400" y="5646654"/>
-            <a:ext cx="3124200" cy="1066800"/>
+            <a:off x="3657600" y="2986881"/>
+            <a:ext cx="3505200" cy="1371600"/>
           </a:xfrm>
           <a:prstGeom prst="rect">
             <a:avLst/>
           </a:prstGeom>
           <a:solidFill>
-            <a:schemeClr val="accent3">
-              <a:lumMod val="40000"/>
-              <a:lumOff val="60000"/>
+            <a:schemeClr val="accent1">
+              <a:lumMod val="20000"/>
+              <a:lumOff val="80000"/>
             </a:schemeClr>
           </a:solidFill>
-          <a:ln/>
+          <a:ln>
+            <a:noFill/>
+          </a:ln>
         </p:spPr>
         <p:style>
           <a:lnRef idx="2">
@@ -9277,9 +8990,8 @@
           </a:bodyPr>
           <a:lstStyle/>
           <a:p>
-            <a:pPr algn="ctr"/>
-            <a:r>
-              <a:rPr lang="en-US" sz="1200" dirty="0" smtClean="0">
+            <a:r>
+              <a:rPr lang="en-US" sz="1400" dirty="0">
                 <a:solidFill>
                   <a:schemeClr val="tx1"/>
                 </a:solidFill>
@@ -9287,7 +8999,7 @@
               <a:t>We say the ball contains a </a:t>
             </a:r>
             <a:r>
-              <a:rPr lang="en-US" sz="1200" i="1" dirty="0" smtClean="0">
+              <a:rPr lang="en-US" sz="1400" i="1" dirty="0">
                 <a:solidFill>
                   <a:schemeClr val="tx1"/>
                 </a:solidFill>
@@ -9295,34 +9007,13 @@
               <a:t>cache</a:t>
             </a:r>
             <a:r>
-              <a:rPr lang="en-US" sz="1200" dirty="0" smtClean="0">
+              <a:rPr lang="en-US" sz="1400" dirty="0">
                 <a:solidFill>
                   <a:schemeClr val="tx1"/>
                 </a:solidFill>
               </a:rPr>
-              <a:t> of the </a:t>
-            </a:r>
-            <a:r>
-              <a:rPr lang="en-US" sz="1200" dirty="0" smtClean="0">
-                <a:solidFill>
-                  <a:schemeClr val="tx1"/>
-                </a:solidFill>
-              </a:rPr>
-              <a:t>wall's position.  This is analogous to a memory cache. </a:t>
-            </a:r>
-            <a:r>
-              <a:rPr lang="en-US" sz="1200" dirty="0" smtClean="0">
-                <a:solidFill>
-                  <a:schemeClr val="tx1"/>
-                </a:solidFill>
-              </a:rPr>
-              <a:t>If you are not familiar with the idea of a cache, you should go look it up.  It's a neat and widely-used pattern.</a:t>
-            </a:r>
-            <a:endParaRPr lang="en-US" sz="1200" dirty="0">
-              <a:solidFill>
-                <a:schemeClr val="tx1"/>
-              </a:solidFill>
-            </a:endParaRPr>
+              <a:t> of the wall's position.  This is analogous to a memory cache. If you are not familiar with the idea of a cache, you should go look it up.  It's a neat and widely-used pattern.</a:t>
+            </a:r>
           </a:p>
         </p:txBody>
       </p:sp>
@@ -9334,19 +9025,21 @@
         </p:nvSpPr>
         <p:spPr>
           <a:xfrm>
-            <a:off x="4800600" y="1828800"/>
-            <a:ext cx="3581400" cy="762000"/>
+            <a:off x="3657600" y="1600200"/>
+            <a:ext cx="3581400" cy="990600"/>
           </a:xfrm>
           <a:prstGeom prst="rect">
             <a:avLst/>
           </a:prstGeom>
           <a:solidFill>
-            <a:schemeClr val="accent3">
-              <a:lumMod val="40000"/>
-              <a:lumOff val="60000"/>
+            <a:schemeClr val="accent1">
+              <a:lumMod val="20000"/>
+              <a:lumOff val="80000"/>
             </a:schemeClr>
           </a:solidFill>
-          <a:ln/>
+          <a:ln>
+            <a:noFill/>
+          </a:ln>
         </p:spPr>
         <p:style>
           <a:lnRef idx="2">
@@ -9373,7 +9066,7 @@
           <a:p>
             <a:pPr algn="ctr"/>
             <a:r>
-              <a:rPr lang="en-US" dirty="0" smtClean="0">
+              <a:rPr lang="en-US" dirty="0">
                 <a:solidFill>
                   <a:schemeClr val="tx1"/>
                 </a:solidFill>
@@ -9381,7 +9074,7 @@
               <a:t>We use the prefix "S" for "</a:t>
             </a:r>
             <a:r>
-              <a:rPr lang="en-US" dirty="0" err="1" smtClean="0">
+              <a:rPr lang="en-US" dirty="0" err="1">
                 <a:solidFill>
                   <a:schemeClr val="tx1"/>
                 </a:solidFill>
@@ -9389,23 +9082,15 @@
               <a:t>stateful</a:t>
             </a:r>
             <a:r>
-              <a:rPr lang="en-US" dirty="0" smtClean="0">
+              <a:rPr lang="en-US" dirty="0">
                 <a:solidFill>
                   <a:schemeClr val="tx1"/>
                 </a:solidFill>
               </a:rPr>
-              <a:t>" or "stable".  </a:t>
-            </a:r>
-            <a:r>
-              <a:rPr lang="en-US" dirty="0" smtClean="0">
-                <a:solidFill>
-                  <a:schemeClr val="tx1"/>
-                </a:solidFill>
-              </a:rPr>
-              <a:t>So </a:t>
-            </a:r>
-            <a:r>
-              <a:rPr lang="en-US" dirty="0" err="1" smtClean="0">
+              <a:t>" or "stable".  So </a:t>
+            </a:r>
+            <a:r>
+              <a:rPr lang="en-US" dirty="0" err="1">
                 <a:solidFill>
                   <a:schemeClr val="tx1"/>
                 </a:solidFill>
@@ -9413,7 +9098,7 @@
               <a:t>SBall</a:t>
             </a:r>
             <a:r>
-              <a:rPr lang="en-US" dirty="0" smtClean="0">
+              <a:rPr lang="en-US" dirty="0">
                 <a:solidFill>
                   <a:schemeClr val="tx1"/>
                 </a:solidFill>
@@ -9421,7 +9106,7 @@
               <a:t>&lt;%&gt; is the interface for </a:t>
             </a:r>
             <a:r>
-              <a:rPr lang="en-US" dirty="0" err="1" smtClean="0">
+              <a:rPr lang="en-US" dirty="0" err="1">
                 <a:solidFill>
                   <a:schemeClr val="tx1"/>
                 </a:solidFill>
@@ -9429,18 +9114,13 @@
               <a:t>stateful</a:t>
             </a:r>
             <a:r>
-              <a:rPr lang="en-US" dirty="0" smtClean="0">
+              <a:rPr lang="en-US" dirty="0">
                 <a:solidFill>
                   <a:schemeClr val="tx1"/>
                 </a:solidFill>
               </a:rPr>
               <a:t> balls.</a:t>
             </a:r>
-            <a:endParaRPr lang="en-US" dirty="0">
-              <a:solidFill>
-                <a:schemeClr val="tx1"/>
-              </a:solidFill>
-            </a:endParaRPr>
           </a:p>
         </p:txBody>
       </p:sp>
@@ -9490,10 +9170,17 @@
           <a:lstStyle/>
           <a:p>
             <a:r>
-              <a:rPr lang="en-US" dirty="0" smtClean="0"/>
-              <a:t>Add code to Ball%</a:t>
-            </a:r>
-            <a:endParaRPr lang="en-US" dirty="0"/>
+              <a:rPr lang="en-US" dirty="0"/>
+              <a:t>Add code to </a:t>
+            </a:r>
+            <a:r>
+              <a:rPr lang="en-US" dirty="0" err="1"/>
+              <a:t>SBall</a:t>
+            </a:r>
+            <a:r>
+              <a:rPr lang="en-US" dirty="0"/>
+              <a:t>%</a:t>
+            </a:r>
           </a:p>
         </p:txBody>
       </p:sp>
@@ -9516,114 +9203,122 @@
           <a:p>
             <a:r>
               <a:rPr lang="en-US" dirty="0"/>
-              <a:t>(define Ball%</a:t>
-            </a:r>
-          </a:p>
-          <a:p>
-            <a:r>
-              <a:rPr lang="en-US" dirty="0"/>
+              <a:t>(</a:t>
+            </a:r>
+            <a:r>
+              <a:rPr lang="en-US" sz="3700" dirty="0"/>
+              <a:t>define </a:t>
+            </a:r>
+            <a:r>
+              <a:rPr lang="en-US" sz="3700" dirty="0" err="1"/>
+              <a:t>SBall</a:t>
+            </a:r>
+            <a:r>
+              <a:rPr lang="en-US" sz="3700" dirty="0"/>
+              <a:t>%</a:t>
+            </a:r>
+          </a:p>
+          <a:p>
+            <a:r>
+              <a:rPr lang="en-US" sz="3700" dirty="0"/>
               <a:t>  (class* object% (</a:t>
             </a:r>
             <a:r>
-              <a:rPr lang="en-US" dirty="0" err="1"/>
+              <a:rPr lang="en-US" sz="3700" dirty="0" err="1"/>
               <a:t>SWidget</a:t>
             </a:r>
             <a:r>
-              <a:rPr lang="en-US" dirty="0"/>
+              <a:rPr lang="en-US" sz="3700" dirty="0"/>
               <a:t>&lt;%&gt;)</a:t>
             </a:r>
           </a:p>
           <a:p>
-            <a:endParaRPr lang="en-US" dirty="0"/>
-          </a:p>
-          <a:p>
-            <a:r>
-              <a:rPr lang="en-US" dirty="0"/>
+            <a:endParaRPr lang="en-US" sz="3700" dirty="0"/>
+          </a:p>
+          <a:p>
+            <a:r>
+              <a:rPr lang="en-US" sz="3700" dirty="0"/>
               <a:t>    (</a:t>
             </a:r>
             <a:r>
-              <a:rPr lang="en-US" dirty="0" err="1"/>
+              <a:rPr lang="en-US" sz="3700" dirty="0" err="1"/>
               <a:t>init</a:t>
             </a:r>
             <a:r>
-              <a:rPr lang="en-US" dirty="0"/>
+              <a:rPr lang="en-US" sz="3700" dirty="0"/>
               <a:t>-field w)  ;; the Wall that the ball should bounce off of</a:t>
             </a:r>
           </a:p>
           <a:p>
-            <a:endParaRPr lang="en-US" dirty="0"/>
-          </a:p>
-          <a:p>
-            <a:r>
-              <a:rPr lang="en-US" dirty="0"/>
+            <a:endParaRPr lang="en-US" sz="3700" dirty="0"/>
+          </a:p>
+          <a:p>
+            <a:r>
+              <a:rPr lang="en-US" sz="3700" dirty="0"/>
               <a:t>    ;; initial values of x, y (center of ball)</a:t>
             </a:r>
           </a:p>
           <a:p>
             <a:r>
-              <a:rPr lang="en-US" dirty="0"/>
+              <a:rPr lang="en-US" sz="3700" dirty="0"/>
               <a:t>    (</a:t>
             </a:r>
             <a:r>
-              <a:rPr lang="en-US" dirty="0" err="1"/>
+              <a:rPr lang="en-US" sz="3700" dirty="0" err="1"/>
               <a:t>init</a:t>
             </a:r>
             <a:r>
-              <a:rPr lang="en-US" dirty="0"/>
+              <a:rPr lang="en-US" sz="3700" dirty="0"/>
               <a:t>-field [x INIT-BALL-X])</a:t>
             </a:r>
           </a:p>
           <a:p>
             <a:r>
-              <a:rPr lang="en-US" dirty="0"/>
+              <a:rPr lang="en-US" sz="3700" dirty="0"/>
               <a:t>    (</a:t>
             </a:r>
             <a:r>
-              <a:rPr lang="en-US" dirty="0" err="1"/>
+              <a:rPr lang="en-US" sz="3700" dirty="0" err="1"/>
               <a:t>init</a:t>
             </a:r>
             <a:r>
-              <a:rPr lang="en-US" dirty="0"/>
+              <a:rPr lang="en-US" sz="3700" dirty="0"/>
               <a:t>-field [y INIT-BALL-Y])</a:t>
             </a:r>
           </a:p>
           <a:p>
             <a:r>
-              <a:rPr lang="en-US" dirty="0"/>
+              <a:rPr lang="en-US" sz="3700" dirty="0"/>
               <a:t>    (</a:t>
             </a:r>
             <a:r>
-              <a:rPr lang="en-US" dirty="0" err="1"/>
+              <a:rPr lang="en-US" sz="3700" dirty="0" err="1"/>
               <a:t>init</a:t>
             </a:r>
             <a:r>
-              <a:rPr lang="en-US" dirty="0"/>
+              <a:rPr lang="en-US" sz="3700" dirty="0"/>
               <a:t>-field [speed INIT-BALL-SPEED])</a:t>
             </a:r>
           </a:p>
           <a:p>
-            <a:endParaRPr lang="en-US" dirty="0"/>
-          </a:p>
-          <a:p>
-            <a:r>
-              <a:rPr lang="en-US" dirty="0"/>
+            <a:endParaRPr lang="en-US" sz="3700" dirty="0"/>
+          </a:p>
+          <a:p>
+            <a:r>
+              <a:rPr lang="en-US" sz="3700" dirty="0"/>
+              <a:t>    ...</a:t>
+            </a:r>
+          </a:p>
+          <a:p>
+            <a:endParaRPr lang="en-US" sz="3700" dirty="0"/>
+          </a:p>
+          <a:p>
+            <a:r>
+              <a:rPr lang="en-US" sz="3700" dirty="0"/>
               <a:t>    </a:t>
             </a:r>
             <a:r>
-              <a:rPr lang="en-US" dirty="0" smtClean="0"/>
-              <a:t>...</a:t>
-            </a:r>
-          </a:p>
-          <a:p>
-            <a:endParaRPr lang="en-US" dirty="0"/>
-          </a:p>
-          <a:p>
-            <a:r>
-              <a:rPr lang="en-US" dirty="0"/>
-              <a:t>    </a:t>
-            </a:r>
-            <a:r>
-              <a:rPr lang="en-US" dirty="0">
+              <a:rPr lang="en-US" sz="3700" dirty="0">
                 <a:solidFill>
                   <a:srgbClr val="FF0000"/>
                 </a:solidFill>
@@ -9633,7 +9328,7 @@
           </a:p>
           <a:p>
             <a:r>
-              <a:rPr lang="en-US" dirty="0">
+              <a:rPr lang="en-US" sz="3700" dirty="0">
                 <a:solidFill>
                   <a:srgbClr val="FF0000"/>
                 </a:solidFill>
@@ -9641,14 +9336,14 @@
               <a:t>    ;; initial value of wall-</a:t>
             </a:r>
             <a:r>
-              <a:rPr lang="en-US" dirty="0" err="1">
+              <a:rPr lang="en-US" sz="3700" dirty="0" err="1">
                 <a:solidFill>
                   <a:srgbClr val="FF0000"/>
                 </a:solidFill>
               </a:rPr>
               <a:t>pos</a:t>
             </a:r>
-            <a:endParaRPr lang="en-US" dirty="0">
+            <a:endParaRPr lang="en-US" sz="3700" dirty="0">
               <a:solidFill>
                 <a:srgbClr val="FF0000"/>
               </a:solidFill>
@@ -9656,7 +9351,7 @@
           </a:p>
           <a:p>
             <a:r>
-              <a:rPr lang="en-US" dirty="0">
+              <a:rPr lang="en-US" sz="3700" dirty="0">
                 <a:solidFill>
                   <a:srgbClr val="FF0000"/>
                 </a:solidFill>
@@ -9664,7 +9359,7 @@
               <a:t>    (field [wall-</a:t>
             </a:r>
             <a:r>
-              <a:rPr lang="en-US" dirty="0" err="1">
+              <a:rPr lang="en-US" sz="3700" dirty="0" err="1">
                 <a:solidFill>
                   <a:srgbClr val="FF0000"/>
                 </a:solidFill>
@@ -9672,7 +9367,7 @@
               <a:t>pos</a:t>
             </a:r>
             <a:r>
-              <a:rPr lang="en-US" dirty="0">
+              <a:rPr lang="en-US" sz="3700" dirty="0">
                 <a:solidFill>
                   <a:srgbClr val="FF0000"/>
                 </a:solidFill>
@@ -9682,42 +9377,34 @@
           </a:p>
           <a:p>
             <a:r>
-              <a:rPr lang="en-US" dirty="0"/>
+              <a:rPr lang="en-US" sz="3700" dirty="0"/>
               <a:t>    </a:t>
             </a:r>
           </a:p>
           <a:p>
             <a:r>
-              <a:rPr lang="en-US" dirty="0"/>
+              <a:rPr lang="en-US" sz="3700" dirty="0"/>
               <a:t>    (super-new)</a:t>
             </a:r>
           </a:p>
           <a:p>
-            <a:endParaRPr lang="en-US" dirty="0"/>
-          </a:p>
-          <a:p>
-            <a:r>
-              <a:rPr lang="en-US" dirty="0"/>
+            <a:endParaRPr lang="en-US" sz="3700" dirty="0"/>
+          </a:p>
+          <a:p>
+            <a:r>
+              <a:rPr lang="en-US" sz="3700" dirty="0"/>
               <a:t>    </a:t>
             </a:r>
             <a:r>
-              <a:rPr lang="en-US" dirty="0">
+              <a:rPr lang="en-US" sz="3700" dirty="0">
                 <a:solidFill>
                   <a:srgbClr val="FF0000"/>
                 </a:solidFill>
               </a:rPr>
-              <a:t>;; </a:t>
-            </a:r>
-            <a:r>
-              <a:rPr lang="en-US" dirty="0" smtClean="0">
-                <a:solidFill>
-                  <a:srgbClr val="FF0000"/>
-                </a:solidFill>
-              </a:rPr>
-              <a:t>update-wall-</a:t>
-            </a:r>
-            <a:r>
-              <a:rPr lang="en-US" dirty="0" err="1" smtClean="0">
+              <a:t>;; update-wall-</a:t>
+            </a:r>
+            <a:r>
+              <a:rPr lang="en-US" sz="3700" dirty="0" err="1">
                 <a:solidFill>
                   <a:srgbClr val="FF0000"/>
                 </a:solidFill>
@@ -9725,7 +9412,7 @@
               <a:t>pos</a:t>
             </a:r>
             <a:r>
-              <a:rPr lang="en-US" dirty="0" smtClean="0">
+              <a:rPr lang="en-US" sz="3700" dirty="0">
                 <a:solidFill>
                   <a:srgbClr val="FF0000"/>
                 </a:solidFill>
@@ -9733,7 +9420,7 @@
               <a:t> : </a:t>
             </a:r>
             <a:r>
-              <a:rPr lang="en-US" dirty="0" err="1" smtClean="0">
+              <a:rPr lang="en-US" sz="3700" dirty="0" err="1">
                 <a:solidFill>
                   <a:srgbClr val="FF0000"/>
                 </a:solidFill>
@@ -9741,25 +9428,17 @@
               <a:t>Int</a:t>
             </a:r>
             <a:r>
-              <a:rPr lang="en-US" dirty="0" smtClean="0">
+              <a:rPr lang="en-US" sz="3700" dirty="0">
                 <a:solidFill>
                   <a:srgbClr val="FF0000"/>
                 </a:solidFill>
               </a:rPr>
-              <a:t> </a:t>
-            </a:r>
-            <a:r>
-              <a:rPr lang="en-US" dirty="0">
-                <a:solidFill>
-                  <a:srgbClr val="FF0000"/>
-                </a:solidFill>
-              </a:rPr>
-              <a:t>-&gt; Void</a:t>
-            </a:r>
-          </a:p>
-          <a:p>
-            <a:r>
-              <a:rPr lang="en-US" dirty="0">
+              <a:t> -&gt; Void</a:t>
+            </a:r>
+          </a:p>
+          <a:p>
+            <a:r>
+              <a:rPr lang="en-US" sz="3700" dirty="0">
                 <a:solidFill>
                   <a:srgbClr val="FF0000"/>
                 </a:solidFill>
@@ -9769,7 +9448,7 @@
           </a:p>
           <a:p>
             <a:r>
-              <a:rPr lang="en-US" dirty="0">
+              <a:rPr lang="en-US" sz="3700" dirty="0">
                 <a:solidFill>
                   <a:srgbClr val="FF0000"/>
                 </a:solidFill>
@@ -9779,7 +9458,7 @@
           </a:p>
           <a:p>
             <a:r>
-              <a:rPr lang="en-US" dirty="0">
+              <a:rPr lang="en-US" sz="3700" dirty="0">
                 <a:solidFill>
                   <a:srgbClr val="FF0000"/>
                 </a:solidFill>
@@ -9787,7 +9466,7 @@
               <a:t>    (define/public (update-wall-</a:t>
             </a:r>
             <a:r>
-              <a:rPr lang="en-US" dirty="0" err="1">
+              <a:rPr lang="en-US" sz="3700" dirty="0" err="1">
                 <a:solidFill>
                   <a:srgbClr val="FF0000"/>
                 </a:solidFill>
@@ -9795,7 +9474,7 @@
               <a:t>pos</a:t>
             </a:r>
             <a:r>
-              <a:rPr lang="en-US" dirty="0">
+              <a:rPr lang="en-US" sz="3700" dirty="0">
                 <a:solidFill>
                   <a:srgbClr val="FF0000"/>
                 </a:solidFill>
@@ -9805,7 +9484,7 @@
           </a:p>
           <a:p>
             <a:r>
-              <a:rPr lang="en-US" dirty="0">
+              <a:rPr lang="en-US" sz="3700" dirty="0">
                 <a:solidFill>
                   <a:srgbClr val="FF0000"/>
                 </a:solidFill>
@@ -9813,7 +9492,7 @@
               <a:t>      (set! wall-</a:t>
             </a:r>
             <a:r>
-              <a:rPr lang="en-US" dirty="0" err="1">
+              <a:rPr lang="en-US" sz="3700" dirty="0" err="1">
                 <a:solidFill>
                   <a:srgbClr val="FF0000"/>
                 </a:solidFill>
@@ -9821,7 +9500,7 @@
               <a:t>pos</a:t>
             </a:r>
             <a:r>
-              <a:rPr lang="en-US" dirty="0">
+              <a:rPr lang="en-US" sz="3700" dirty="0">
                 <a:solidFill>
                   <a:srgbClr val="FF0000"/>
                 </a:solidFill>
@@ -9869,12 +9548,14 @@
             <a:avLst/>
           </a:prstGeom>
           <a:solidFill>
-            <a:schemeClr val="accent3">
-              <a:lumMod val="40000"/>
-              <a:lumOff val="60000"/>
+            <a:schemeClr val="accent1">
+              <a:lumMod val="20000"/>
+              <a:lumOff val="80000"/>
             </a:schemeClr>
           </a:solidFill>
-          <a:ln/>
+          <a:ln>
+            <a:noFill/>
+          </a:ln>
         </p:spPr>
         <p:style>
           <a:lnRef idx="2">
@@ -9901,18 +9582,13 @@
           <a:p>
             <a:pPr algn="ctr"/>
             <a:r>
-              <a:rPr lang="en-US" dirty="0" smtClean="0">
+              <a:rPr lang="en-US" dirty="0">
                 <a:solidFill>
                   <a:schemeClr val="tx1"/>
                 </a:solidFill>
               </a:rPr>
               <a:t>When the ball is initialized, it registers with the wall.  The wall responds with its current position.  This means we can add balls even after the wall has been moved.</a:t>
             </a:r>
-            <a:endParaRPr lang="en-US" dirty="0">
-              <a:solidFill>
-                <a:schemeClr val="tx1"/>
-              </a:solidFill>
-            </a:endParaRPr>
           </a:p>
         </p:txBody>
       </p:sp>
@@ -9925,9 +9601,9 @@
           <p:nvPr/>
         </p:nvCxnSpPr>
         <p:spPr>
-          <a:xfrm flipH="1" flipV="1">
-            <a:off x="3810000" y="3810000"/>
-            <a:ext cx="2209800" cy="114300"/>
+          <a:xfrm flipH="1">
+            <a:off x="3733800" y="3924300"/>
+            <a:ext cx="2286000" cy="266700"/>
           </a:xfrm>
           <a:prstGeom prst="straightConnector1">
             <a:avLst/>
